--- a/Documentação/Documentação_Teorica/timeLine.pptx
+++ b/Documentação/Documentação_Teorica/timeLine.pptx
@@ -4019,104 +4019,6 @@
       </p:sp>
       <p:sp>
         <p:nvSpPr>
-          <p:cNvPr id="22" name="Elipse 21">
-            <a:extLst>
-              <a:ext uri="{FF2B5EF4-FFF2-40B4-BE49-F238E27FC236}">
-                <a16:creationId xmlns:a16="http://schemas.microsoft.com/office/drawing/2014/main" id="{E7A5F168-CC9A-49CA-AC29-50FBD74151BE}"/>
-              </a:ext>
-            </a:extLst>
-          </p:cNvPr>
-          <p:cNvSpPr/>
-          <p:nvPr/>
-        </p:nvSpPr>
-        <p:spPr>
-          <a:xfrm>
-            <a:off x="1934827" y="2619464"/>
-            <a:ext cx="185514" cy="132270"/>
-          </a:xfrm>
-          <a:prstGeom prst="ellipse">
-            <a:avLst/>
-          </a:prstGeom>
-          <a:solidFill>
-            <a:srgbClr val="11BD5D"/>
-          </a:solidFill>
-        </p:spPr>
-        <p:style>
-          <a:lnRef idx="2">
-            <a:schemeClr val="dk1">
-              <a:shade val="50000"/>
-            </a:schemeClr>
-          </a:lnRef>
-          <a:fillRef idx="1">
-            <a:schemeClr val="dk1"/>
-          </a:fillRef>
-          <a:effectRef idx="0">
-            <a:schemeClr val="dk1"/>
-          </a:effectRef>
-          <a:fontRef idx="minor">
-            <a:schemeClr val="lt1"/>
-          </a:fontRef>
-        </p:style>
-        <p:txBody>
-          <a:bodyPr rtlCol="0" anchor="ctr"/>
-          <a:lstStyle/>
-          <a:p>
-            <a:pPr algn="ctr"/>
-            <a:endParaRPr lang="pt-BR"/>
-          </a:p>
-        </p:txBody>
-      </p:sp>
-      <p:sp>
-        <p:nvSpPr>
-          <p:cNvPr id="24" name="Elipse 23">
-            <a:extLst>
-              <a:ext uri="{FF2B5EF4-FFF2-40B4-BE49-F238E27FC236}">
-                <a16:creationId xmlns:a16="http://schemas.microsoft.com/office/drawing/2014/main" id="{A947A413-7FEC-48A9-8089-70BAD80391CD}"/>
-              </a:ext>
-            </a:extLst>
-          </p:cNvPr>
-          <p:cNvSpPr/>
-          <p:nvPr/>
-        </p:nvSpPr>
-        <p:spPr>
-          <a:xfrm>
-            <a:off x="3544957" y="2438776"/>
-            <a:ext cx="185514" cy="132270"/>
-          </a:xfrm>
-          <a:prstGeom prst="ellipse">
-            <a:avLst/>
-          </a:prstGeom>
-          <a:solidFill>
-            <a:srgbClr val="11BD5D"/>
-          </a:solidFill>
-        </p:spPr>
-        <p:style>
-          <a:lnRef idx="2">
-            <a:schemeClr val="dk1">
-              <a:shade val="50000"/>
-            </a:schemeClr>
-          </a:lnRef>
-          <a:fillRef idx="1">
-            <a:schemeClr val="dk1"/>
-          </a:fillRef>
-          <a:effectRef idx="0">
-            <a:schemeClr val="dk1"/>
-          </a:effectRef>
-          <a:fontRef idx="minor">
-            <a:schemeClr val="lt1"/>
-          </a:fontRef>
-        </p:style>
-        <p:txBody>
-          <a:bodyPr rtlCol="0" anchor="ctr"/>
-          <a:lstStyle/>
-          <a:p>
-            <a:pPr algn="ctr"/>
-            <a:endParaRPr lang="pt-BR"/>
-          </a:p>
-        </p:txBody>
-      </p:sp>
-      <p:sp>
-        <p:nvSpPr>
           <p:cNvPr id="25" name="CaixaDeTexto 24">
             <a:extLst>
               <a:ext uri="{FF2B5EF4-FFF2-40B4-BE49-F238E27FC236}">
@@ -4316,104 +4218,6 @@
           </a:p>
         </p:txBody>
       </p:sp>
-      <p:sp>
-        <p:nvSpPr>
-          <p:cNvPr id="32" name="Elipse 31">
-            <a:extLst>
-              <a:ext uri="{FF2B5EF4-FFF2-40B4-BE49-F238E27FC236}">
-                <a16:creationId xmlns:a16="http://schemas.microsoft.com/office/drawing/2014/main" id="{0CA99D5D-E089-4D64-BC0A-DDF3ABC2F418}"/>
-              </a:ext>
-            </a:extLst>
-          </p:cNvPr>
-          <p:cNvSpPr/>
-          <p:nvPr/>
-        </p:nvSpPr>
-        <p:spPr>
-          <a:xfrm>
-            <a:off x="6659235" y="3276848"/>
-            <a:ext cx="185514" cy="132270"/>
-          </a:xfrm>
-          <a:prstGeom prst="ellipse">
-            <a:avLst/>
-          </a:prstGeom>
-          <a:solidFill>
-            <a:srgbClr val="11BD5D"/>
-          </a:solidFill>
-        </p:spPr>
-        <p:style>
-          <a:lnRef idx="2">
-            <a:schemeClr val="dk1">
-              <a:shade val="50000"/>
-            </a:schemeClr>
-          </a:lnRef>
-          <a:fillRef idx="1">
-            <a:schemeClr val="dk1"/>
-          </a:fillRef>
-          <a:effectRef idx="0">
-            <a:schemeClr val="dk1"/>
-          </a:effectRef>
-          <a:fontRef idx="minor">
-            <a:schemeClr val="lt1"/>
-          </a:fontRef>
-        </p:style>
-        <p:txBody>
-          <a:bodyPr rtlCol="0" anchor="ctr"/>
-          <a:lstStyle/>
-          <a:p>
-            <a:pPr algn="ctr"/>
-            <a:endParaRPr lang="pt-BR"/>
-          </a:p>
-        </p:txBody>
-      </p:sp>
-      <p:sp>
-        <p:nvSpPr>
-          <p:cNvPr id="33" name="Elipse 32">
-            <a:extLst>
-              <a:ext uri="{FF2B5EF4-FFF2-40B4-BE49-F238E27FC236}">
-                <a16:creationId xmlns:a16="http://schemas.microsoft.com/office/drawing/2014/main" id="{A5411003-88E2-4D49-9CF3-3F154B659A85}"/>
-              </a:ext>
-            </a:extLst>
-          </p:cNvPr>
-          <p:cNvSpPr/>
-          <p:nvPr/>
-        </p:nvSpPr>
-        <p:spPr>
-          <a:xfrm>
-            <a:off x="5054058" y="3841069"/>
-            <a:ext cx="185514" cy="132270"/>
-          </a:xfrm>
-          <a:prstGeom prst="ellipse">
-            <a:avLst/>
-          </a:prstGeom>
-          <a:solidFill>
-            <a:srgbClr val="11BD5D"/>
-          </a:solidFill>
-        </p:spPr>
-        <p:style>
-          <a:lnRef idx="2">
-            <a:schemeClr val="dk1">
-              <a:shade val="50000"/>
-            </a:schemeClr>
-          </a:lnRef>
-          <a:fillRef idx="1">
-            <a:schemeClr val="dk1"/>
-          </a:fillRef>
-          <a:effectRef idx="0">
-            <a:schemeClr val="dk1"/>
-          </a:effectRef>
-          <a:fontRef idx="minor">
-            <a:schemeClr val="lt1"/>
-          </a:fontRef>
-        </p:style>
-        <p:txBody>
-          <a:bodyPr rtlCol="0" anchor="ctr"/>
-          <a:lstStyle/>
-          <a:p>
-            <a:pPr algn="ctr"/>
-            <a:endParaRPr lang="pt-BR"/>
-          </a:p>
-        </p:txBody>
-      </p:sp>
       <p:cxnSp>
         <p:nvCxnSpPr>
           <p:cNvPr id="34" name="Conector de Seta Reta 33">
@@ -4494,55 +4298,6 @@
       </p:sp>
       <p:sp>
         <p:nvSpPr>
-          <p:cNvPr id="35" name="Elipse 34">
-            <a:extLst>
-              <a:ext uri="{FF2B5EF4-FFF2-40B4-BE49-F238E27FC236}">
-                <a16:creationId xmlns:a16="http://schemas.microsoft.com/office/drawing/2014/main" id="{DAEB7D43-46EB-4FE6-BEDF-4F352A21904E}"/>
-              </a:ext>
-            </a:extLst>
-          </p:cNvPr>
-          <p:cNvSpPr/>
-          <p:nvPr/>
-        </p:nvSpPr>
-        <p:spPr>
-          <a:xfrm>
-            <a:off x="8216344" y="3609686"/>
-            <a:ext cx="185514" cy="132270"/>
-          </a:xfrm>
-          <a:prstGeom prst="ellipse">
-            <a:avLst/>
-          </a:prstGeom>
-          <a:solidFill>
-            <a:srgbClr val="11BD5D"/>
-          </a:solidFill>
-        </p:spPr>
-        <p:style>
-          <a:lnRef idx="2">
-            <a:schemeClr val="dk1">
-              <a:shade val="50000"/>
-            </a:schemeClr>
-          </a:lnRef>
-          <a:fillRef idx="1">
-            <a:schemeClr val="dk1"/>
-          </a:fillRef>
-          <a:effectRef idx="0">
-            <a:schemeClr val="dk1"/>
-          </a:effectRef>
-          <a:fontRef idx="minor">
-            <a:schemeClr val="lt1"/>
-          </a:fontRef>
-        </p:style>
-        <p:txBody>
-          <a:bodyPr rtlCol="0" anchor="ctr"/>
-          <a:lstStyle/>
-          <a:p>
-            <a:pPr algn="ctr"/>
-            <a:endParaRPr lang="pt-BR"/>
-          </a:p>
-        </p:txBody>
-      </p:sp>
-      <p:sp>
-        <p:nvSpPr>
           <p:cNvPr id="36" name="CaixaDeTexto 35">
             <a:extLst>
               <a:ext uri="{FF2B5EF4-FFF2-40B4-BE49-F238E27FC236}">
@@ -4626,10 +4381,46 @@
       </p:cxnSp>
       <p:sp>
         <p:nvSpPr>
-          <p:cNvPr id="38" name="Elipse 37">
-            <a:extLst>
-              <a:ext uri="{FF2B5EF4-FFF2-40B4-BE49-F238E27FC236}">
-                <a16:creationId xmlns:a16="http://schemas.microsoft.com/office/drawing/2014/main" id="{BDBA5979-5738-43CC-B97E-A73220DAE5B9}"/>
+          <p:cNvPr id="39" name="CaixaDeTexto 38">
+            <a:extLst>
+              <a:ext uri="{FF2B5EF4-FFF2-40B4-BE49-F238E27FC236}">
+                <a16:creationId xmlns:a16="http://schemas.microsoft.com/office/drawing/2014/main" id="{12BC3B8A-CF30-4E3C-BD03-D03981945ED4}"/>
+              </a:ext>
+            </a:extLst>
+          </p:cNvPr>
+          <p:cNvSpPr txBox="1"/>
+          <p:nvPr/>
+        </p:nvSpPr>
+        <p:spPr>
+          <a:xfrm>
+            <a:off x="8262729" y="4500230"/>
+            <a:ext cx="1550499" cy="646331"/>
+          </a:xfrm>
+          <a:prstGeom prst="rect">
+            <a:avLst/>
+          </a:prstGeom>
+          <a:noFill/>
+        </p:spPr>
+        <p:txBody>
+          <a:bodyPr wrap="square" rtlCol="0">
+            <a:spAutoFit/>
+          </a:bodyPr>
+          <a:lstStyle/>
+          <a:p>
+            <a:pPr algn="ctr"/>
+            <a:r>
+              <a:rPr lang="pt-BR" b="1" dirty="0"/>
+              <a:t>Apresentação Sprint 3</a:t>
+            </a:r>
+          </a:p>
+        </p:txBody>
+      </p:sp>
+      <p:sp>
+        <p:nvSpPr>
+          <p:cNvPr id="5" name="Fluxograma: Conector 4">
+            <a:extLst>
+              <a:ext uri="{FF2B5EF4-FFF2-40B4-BE49-F238E27FC236}">
+                <a16:creationId xmlns:a16="http://schemas.microsoft.com/office/drawing/2014/main" id="{FA4952E2-848F-441C-A1CF-9859163E84EB}"/>
               </a:ext>
             </a:extLst>
           </p:cNvPr>
@@ -4638,27 +4429,32 @@
         </p:nvSpPr>
         <p:spPr>
           <a:xfrm>
-            <a:off x="3525096" y="4604986"/>
-            <a:ext cx="185514" cy="132270"/>
-          </a:xfrm>
-          <a:prstGeom prst="ellipse">
+            <a:off x="1934817" y="2490488"/>
+            <a:ext cx="185533" cy="176240"/>
+          </a:xfrm>
+          <a:prstGeom prst="flowChartConnector">
             <a:avLst/>
           </a:prstGeom>
           <a:solidFill>
             <a:srgbClr val="11BD5D"/>
           </a:solidFill>
+          <a:ln>
+            <a:solidFill>
+              <a:schemeClr val="tx1"/>
+            </a:solidFill>
+          </a:ln>
         </p:spPr>
         <p:style>
           <a:lnRef idx="2">
-            <a:schemeClr val="dk1">
+            <a:schemeClr val="accent1">
               <a:shade val="50000"/>
             </a:schemeClr>
           </a:lnRef>
           <a:fillRef idx="1">
-            <a:schemeClr val="dk1"/>
+            <a:schemeClr val="accent1"/>
           </a:fillRef>
           <a:effectRef idx="0">
-            <a:schemeClr val="dk1"/>
+            <a:schemeClr val="accent1"/>
           </a:effectRef>
           <a:fontRef idx="minor">
             <a:schemeClr val="lt1"/>
@@ -4675,46 +4471,10 @@
       </p:sp>
       <p:sp>
         <p:nvSpPr>
-          <p:cNvPr id="39" name="CaixaDeTexto 38">
-            <a:extLst>
-              <a:ext uri="{FF2B5EF4-FFF2-40B4-BE49-F238E27FC236}">
-                <a16:creationId xmlns:a16="http://schemas.microsoft.com/office/drawing/2014/main" id="{12BC3B8A-CF30-4E3C-BD03-D03981945ED4}"/>
-              </a:ext>
-            </a:extLst>
-          </p:cNvPr>
-          <p:cNvSpPr txBox="1"/>
-          <p:nvPr/>
-        </p:nvSpPr>
-        <p:spPr>
-          <a:xfrm>
-            <a:off x="8262729" y="4500230"/>
-            <a:ext cx="1550499" cy="646331"/>
-          </a:xfrm>
-          <a:prstGeom prst="rect">
-            <a:avLst/>
-          </a:prstGeom>
-          <a:noFill/>
-        </p:spPr>
-        <p:txBody>
-          <a:bodyPr wrap="square" rtlCol="0">
-            <a:spAutoFit/>
-          </a:bodyPr>
-          <a:lstStyle/>
-          <a:p>
-            <a:pPr algn="ctr"/>
-            <a:r>
-              <a:rPr lang="pt-BR" b="1" dirty="0"/>
-              <a:t>Apresentação Sprint 3</a:t>
-            </a:r>
-          </a:p>
-        </p:txBody>
-      </p:sp>
-      <p:sp>
-        <p:nvSpPr>
-          <p:cNvPr id="40" name="Elipse 39">
-            <a:extLst>
-              <a:ext uri="{FF2B5EF4-FFF2-40B4-BE49-F238E27FC236}">
-                <a16:creationId xmlns:a16="http://schemas.microsoft.com/office/drawing/2014/main" id="{654D9B8B-E4CE-40AA-BBF9-183E3AB86199}"/>
+          <p:cNvPr id="41" name="Fluxograma: Conector 40">
+            <a:extLst>
+              <a:ext uri="{FF2B5EF4-FFF2-40B4-BE49-F238E27FC236}">
+                <a16:creationId xmlns:a16="http://schemas.microsoft.com/office/drawing/2014/main" id="{A42AA7B6-2E5F-40F3-A004-A7A1DFECB145}"/>
               </a:ext>
             </a:extLst>
           </p:cNvPr>
@@ -4723,27 +4483,248 @@
         </p:nvSpPr>
         <p:spPr>
           <a:xfrm>
-            <a:off x="9614443" y="4386214"/>
-            <a:ext cx="185514" cy="132270"/>
-          </a:xfrm>
-          <a:prstGeom prst="ellipse">
+            <a:off x="3521770" y="2490488"/>
+            <a:ext cx="185533" cy="176240"/>
+          </a:xfrm>
+          <a:prstGeom prst="flowChartConnector">
             <a:avLst/>
           </a:prstGeom>
           <a:solidFill>
             <a:srgbClr val="11BD5D"/>
           </a:solidFill>
+          <a:ln>
+            <a:solidFill>
+              <a:schemeClr val="tx1"/>
+            </a:solidFill>
+          </a:ln>
         </p:spPr>
         <p:style>
           <a:lnRef idx="2">
-            <a:schemeClr val="dk1">
+            <a:schemeClr val="accent1">
               <a:shade val="50000"/>
             </a:schemeClr>
           </a:lnRef>
           <a:fillRef idx="1">
-            <a:schemeClr val="dk1"/>
+            <a:schemeClr val="accent1"/>
           </a:fillRef>
           <a:effectRef idx="0">
-            <a:schemeClr val="dk1"/>
+            <a:schemeClr val="accent1"/>
+          </a:effectRef>
+          <a:fontRef idx="minor">
+            <a:schemeClr val="lt1"/>
+          </a:fontRef>
+        </p:style>
+        <p:txBody>
+          <a:bodyPr rtlCol="0" anchor="ctr"/>
+          <a:lstStyle/>
+          <a:p>
+            <a:pPr algn="ctr"/>
+            <a:endParaRPr lang="pt-BR"/>
+          </a:p>
+        </p:txBody>
+      </p:sp>
+      <p:sp>
+        <p:nvSpPr>
+          <p:cNvPr id="42" name="Fluxograma: Conector 41">
+            <a:extLst>
+              <a:ext uri="{FF2B5EF4-FFF2-40B4-BE49-F238E27FC236}">
+                <a16:creationId xmlns:a16="http://schemas.microsoft.com/office/drawing/2014/main" id="{DE5416B4-787F-45D9-B195-806F8B8E52E6}"/>
+              </a:ext>
+            </a:extLst>
+          </p:cNvPr>
+          <p:cNvSpPr/>
+          <p:nvPr/>
+        </p:nvSpPr>
+        <p:spPr>
+          <a:xfrm>
+            <a:off x="5029475" y="3256616"/>
+            <a:ext cx="185533" cy="176240"/>
+          </a:xfrm>
+          <a:prstGeom prst="flowChartConnector">
+            <a:avLst/>
+          </a:prstGeom>
+          <a:solidFill>
+            <a:srgbClr val="11BD5D"/>
+          </a:solidFill>
+          <a:ln>
+            <a:solidFill>
+              <a:schemeClr val="tx1"/>
+            </a:solidFill>
+          </a:ln>
+        </p:spPr>
+        <p:style>
+          <a:lnRef idx="2">
+            <a:schemeClr val="accent1">
+              <a:shade val="50000"/>
+            </a:schemeClr>
+          </a:lnRef>
+          <a:fillRef idx="1">
+            <a:schemeClr val="accent1"/>
+          </a:fillRef>
+          <a:effectRef idx="0">
+            <a:schemeClr val="accent1"/>
+          </a:effectRef>
+          <a:fontRef idx="minor">
+            <a:schemeClr val="lt1"/>
+          </a:fontRef>
+        </p:style>
+        <p:txBody>
+          <a:bodyPr rtlCol="0" anchor="ctr"/>
+          <a:lstStyle/>
+          <a:p>
+            <a:pPr algn="ctr"/>
+            <a:endParaRPr lang="pt-BR"/>
+          </a:p>
+        </p:txBody>
+      </p:sp>
+      <p:sp>
+        <p:nvSpPr>
+          <p:cNvPr id="43" name="Fluxograma: Conector 42">
+            <a:extLst>
+              <a:ext uri="{FF2B5EF4-FFF2-40B4-BE49-F238E27FC236}">
+                <a16:creationId xmlns:a16="http://schemas.microsoft.com/office/drawing/2014/main" id="{020CB1A5-8E2C-4C8E-9A8C-1EBDEB95CC43}"/>
+              </a:ext>
+            </a:extLst>
+          </p:cNvPr>
+          <p:cNvSpPr/>
+          <p:nvPr/>
+        </p:nvSpPr>
+        <p:spPr>
+          <a:xfrm>
+            <a:off x="6659216" y="3261292"/>
+            <a:ext cx="185533" cy="176240"/>
+          </a:xfrm>
+          <a:prstGeom prst="flowChartConnector">
+            <a:avLst/>
+          </a:prstGeom>
+          <a:solidFill>
+            <a:srgbClr val="11BD5D"/>
+          </a:solidFill>
+          <a:ln>
+            <a:solidFill>
+              <a:schemeClr val="tx1"/>
+            </a:solidFill>
+          </a:ln>
+        </p:spPr>
+        <p:style>
+          <a:lnRef idx="2">
+            <a:schemeClr val="accent1">
+              <a:shade val="50000"/>
+            </a:schemeClr>
+          </a:lnRef>
+          <a:fillRef idx="1">
+            <a:schemeClr val="accent1"/>
+          </a:fillRef>
+          <a:effectRef idx="0">
+            <a:schemeClr val="accent1"/>
+          </a:effectRef>
+          <a:fontRef idx="minor">
+            <a:schemeClr val="lt1"/>
+          </a:fontRef>
+        </p:style>
+        <p:txBody>
+          <a:bodyPr rtlCol="0" anchor="ctr"/>
+          <a:lstStyle/>
+          <a:p>
+            <a:pPr algn="ctr"/>
+            <a:endParaRPr lang="pt-BR"/>
+          </a:p>
+        </p:txBody>
+      </p:sp>
+      <p:sp>
+        <p:nvSpPr>
+          <p:cNvPr id="44" name="Fluxograma: Conector 43">
+            <a:extLst>
+              <a:ext uri="{FF2B5EF4-FFF2-40B4-BE49-F238E27FC236}">
+                <a16:creationId xmlns:a16="http://schemas.microsoft.com/office/drawing/2014/main" id="{8FC1181A-AACA-4C17-8EB4-3BEEFCF26C54}"/>
+              </a:ext>
+            </a:extLst>
+          </p:cNvPr>
+          <p:cNvSpPr/>
+          <p:nvPr/>
+        </p:nvSpPr>
+        <p:spPr>
+          <a:xfrm>
+            <a:off x="8196468" y="3583920"/>
+            <a:ext cx="185533" cy="176240"/>
+          </a:xfrm>
+          <a:prstGeom prst="flowChartConnector">
+            <a:avLst/>
+          </a:prstGeom>
+          <a:solidFill>
+            <a:srgbClr val="11BD5D"/>
+          </a:solidFill>
+          <a:ln>
+            <a:solidFill>
+              <a:schemeClr val="tx1"/>
+            </a:solidFill>
+          </a:ln>
+        </p:spPr>
+        <p:style>
+          <a:lnRef idx="2">
+            <a:schemeClr val="accent1">
+              <a:shade val="50000"/>
+            </a:schemeClr>
+          </a:lnRef>
+          <a:fillRef idx="1">
+            <a:schemeClr val="accent1"/>
+          </a:fillRef>
+          <a:effectRef idx="0">
+            <a:schemeClr val="accent1"/>
+          </a:effectRef>
+          <a:fontRef idx="minor">
+            <a:schemeClr val="lt1"/>
+          </a:fontRef>
+        </p:style>
+        <p:txBody>
+          <a:bodyPr rtlCol="0" anchor="ctr"/>
+          <a:lstStyle/>
+          <a:p>
+            <a:pPr algn="ctr"/>
+            <a:endParaRPr lang="pt-BR"/>
+          </a:p>
+        </p:txBody>
+      </p:sp>
+      <p:sp>
+        <p:nvSpPr>
+          <p:cNvPr id="45" name="Fluxograma: Conector 44">
+            <a:extLst>
+              <a:ext uri="{FF2B5EF4-FFF2-40B4-BE49-F238E27FC236}">
+                <a16:creationId xmlns:a16="http://schemas.microsoft.com/office/drawing/2014/main" id="{993201F8-219C-4A95-AA9D-805A87802467}"/>
+              </a:ext>
+            </a:extLst>
+          </p:cNvPr>
+          <p:cNvSpPr/>
+          <p:nvPr/>
+        </p:nvSpPr>
+        <p:spPr>
+          <a:xfrm>
+            <a:off x="9611134" y="4412110"/>
+            <a:ext cx="185533" cy="176240"/>
+          </a:xfrm>
+          <a:prstGeom prst="flowChartConnector">
+            <a:avLst/>
+          </a:prstGeom>
+          <a:solidFill>
+            <a:srgbClr val="11BD5D"/>
+          </a:solidFill>
+          <a:ln>
+            <a:solidFill>
+              <a:schemeClr val="tx1"/>
+            </a:solidFill>
+          </a:ln>
+        </p:spPr>
+        <p:style>
+          <a:lnRef idx="2">
+            <a:schemeClr val="accent1">
+              <a:shade val="50000"/>
+            </a:schemeClr>
+          </a:lnRef>
+          <a:fillRef idx="1">
+            <a:schemeClr val="accent1"/>
+          </a:fillRef>
+          <a:effectRef idx="0">
+            <a:schemeClr val="accent1"/>
           </a:effectRef>
           <a:fontRef idx="minor">
             <a:schemeClr val="lt1"/>

--- a/Documentação/Documentação_Teorica/timeLine.pptx
+++ b/Documentação/Documentação_Teorica/timeLine.pptx
@@ -259,7 +259,7 @@
           <a:p>
             <a:fld id="{D5834B0F-AD0C-4A29-B090-38A061B31BB0}" type="datetimeFigureOut">
               <a:rPr lang="pt-BR" smtClean="0"/>
-              <a:t>21/04/2021</a:t>
+              <a:t>22/04/2021</a:t>
             </a:fld>
             <a:endParaRPr lang="pt-BR"/>
           </a:p>
@@ -457,7 +457,7 @@
           <a:p>
             <a:fld id="{D5834B0F-AD0C-4A29-B090-38A061B31BB0}" type="datetimeFigureOut">
               <a:rPr lang="pt-BR" smtClean="0"/>
-              <a:t>21/04/2021</a:t>
+              <a:t>22/04/2021</a:t>
             </a:fld>
             <a:endParaRPr lang="pt-BR"/>
           </a:p>
@@ -665,7 +665,7 @@
           <a:p>
             <a:fld id="{D5834B0F-AD0C-4A29-B090-38A061B31BB0}" type="datetimeFigureOut">
               <a:rPr lang="pt-BR" smtClean="0"/>
-              <a:t>21/04/2021</a:t>
+              <a:t>22/04/2021</a:t>
             </a:fld>
             <a:endParaRPr lang="pt-BR"/>
           </a:p>
@@ -863,7 +863,7 @@
           <a:p>
             <a:fld id="{D5834B0F-AD0C-4A29-B090-38A061B31BB0}" type="datetimeFigureOut">
               <a:rPr lang="pt-BR" smtClean="0"/>
-              <a:t>21/04/2021</a:t>
+              <a:t>22/04/2021</a:t>
             </a:fld>
             <a:endParaRPr lang="pt-BR"/>
           </a:p>
@@ -1138,7 +1138,7 @@
           <a:p>
             <a:fld id="{D5834B0F-AD0C-4A29-B090-38A061B31BB0}" type="datetimeFigureOut">
               <a:rPr lang="pt-BR" smtClean="0"/>
-              <a:t>21/04/2021</a:t>
+              <a:t>22/04/2021</a:t>
             </a:fld>
             <a:endParaRPr lang="pt-BR"/>
           </a:p>
@@ -1403,7 +1403,7 @@
           <a:p>
             <a:fld id="{D5834B0F-AD0C-4A29-B090-38A061B31BB0}" type="datetimeFigureOut">
               <a:rPr lang="pt-BR" smtClean="0"/>
-              <a:t>21/04/2021</a:t>
+              <a:t>22/04/2021</a:t>
             </a:fld>
             <a:endParaRPr lang="pt-BR"/>
           </a:p>
@@ -1815,7 +1815,7 @@
           <a:p>
             <a:fld id="{D5834B0F-AD0C-4A29-B090-38A061B31BB0}" type="datetimeFigureOut">
               <a:rPr lang="pt-BR" smtClean="0"/>
-              <a:t>21/04/2021</a:t>
+              <a:t>22/04/2021</a:t>
             </a:fld>
             <a:endParaRPr lang="pt-BR"/>
           </a:p>
@@ -1956,7 +1956,7 @@
           <a:p>
             <a:fld id="{D5834B0F-AD0C-4A29-B090-38A061B31BB0}" type="datetimeFigureOut">
               <a:rPr lang="pt-BR" smtClean="0"/>
-              <a:t>21/04/2021</a:t>
+              <a:t>22/04/2021</a:t>
             </a:fld>
             <a:endParaRPr lang="pt-BR"/>
           </a:p>
@@ -2069,7 +2069,7 @@
           <a:p>
             <a:fld id="{D5834B0F-AD0C-4A29-B090-38A061B31BB0}" type="datetimeFigureOut">
               <a:rPr lang="pt-BR" smtClean="0"/>
-              <a:t>21/04/2021</a:t>
+              <a:t>22/04/2021</a:t>
             </a:fld>
             <a:endParaRPr lang="pt-BR"/>
           </a:p>
@@ -2380,7 +2380,7 @@
           <a:p>
             <a:fld id="{D5834B0F-AD0C-4A29-B090-38A061B31BB0}" type="datetimeFigureOut">
               <a:rPr lang="pt-BR" smtClean="0"/>
-              <a:t>21/04/2021</a:t>
+              <a:t>22/04/2021</a:t>
             </a:fld>
             <a:endParaRPr lang="pt-BR"/>
           </a:p>
@@ -2668,7 +2668,7 @@
           <a:p>
             <a:fld id="{D5834B0F-AD0C-4A29-B090-38A061B31BB0}" type="datetimeFigureOut">
               <a:rPr lang="pt-BR" smtClean="0"/>
-              <a:t>21/04/2021</a:t>
+              <a:t>22/04/2021</a:t>
             </a:fld>
             <a:endParaRPr lang="pt-BR"/>
           </a:p>
@@ -2909,7 +2909,7 @@
           <a:p>
             <a:fld id="{D5834B0F-AD0C-4A29-B090-38A061B31BB0}" type="datetimeFigureOut">
               <a:rPr lang="pt-BR" smtClean="0"/>
-              <a:t>21/04/2021</a:t>
+              <a:t>22/04/2021</a:t>
             </a:fld>
             <a:endParaRPr lang="pt-BR"/>
           </a:p>
@@ -3371,1374 +3371,1449 @@
           </a:p>
         </p:txBody>
       </p:sp>
-      <p:sp>
-        <p:nvSpPr>
-          <p:cNvPr id="2" name="Retângulo 1">
-            <a:extLst>
-              <a:ext uri="{FF2B5EF4-FFF2-40B4-BE49-F238E27FC236}">
-                <a16:creationId xmlns:a16="http://schemas.microsoft.com/office/drawing/2014/main" id="{CC8C5B97-4D48-49DC-9CBC-002171867318}"/>
-              </a:ext>
-            </a:extLst>
-          </p:cNvPr>
-          <p:cNvSpPr/>
+      <p:grpSp>
+        <p:nvGrpSpPr>
+          <p:cNvPr id="7" name="Agrupar 6">
+            <a:extLst>
+              <a:ext uri="{FF2B5EF4-FFF2-40B4-BE49-F238E27FC236}">
+                <a16:creationId xmlns:a16="http://schemas.microsoft.com/office/drawing/2014/main" id="{2D5D0792-3670-45C4-91ED-265F5B7265EE}"/>
+              </a:ext>
+            </a:extLst>
+          </p:cNvPr>
+          <p:cNvGrpSpPr/>
           <p:nvPr/>
-        </p:nvSpPr>
-        <p:spPr>
+        </p:nvGrpSpPr>
+        <p:grpSpPr>
           <a:xfrm>
             <a:off x="1040295" y="1232452"/>
             <a:ext cx="10111409" cy="4886739"/>
+            <a:chOff x="1040295" y="1232452"/>
+            <a:chExt cx="10111409" cy="4886739"/>
           </a:xfrm>
-          <a:prstGeom prst="rect">
-            <a:avLst/>
-          </a:prstGeom>
-          <a:noFill/>
-          <a:ln w="9525" cap="flat" cmpd="sng" algn="ctr">
+        </p:grpSpPr>
+        <p:sp>
+          <p:nvSpPr>
+            <p:cNvPr id="2" name="Retângulo 1">
+              <a:extLst>
+                <a:ext uri="{FF2B5EF4-FFF2-40B4-BE49-F238E27FC236}">
+                  <a16:creationId xmlns:a16="http://schemas.microsoft.com/office/drawing/2014/main" id="{CC8C5B97-4D48-49DC-9CBC-002171867318}"/>
+                </a:ext>
+              </a:extLst>
+            </p:cNvPr>
+            <p:cNvSpPr/>
+            <p:nvPr/>
+          </p:nvSpPr>
+          <p:spPr>
+            <a:xfrm>
+              <a:off x="1040295" y="1232452"/>
+              <a:ext cx="10111409" cy="4886739"/>
+            </a:xfrm>
+            <a:prstGeom prst="rect">
+              <a:avLst/>
+            </a:prstGeom>
+            <a:noFill/>
+            <a:ln w="9525" cap="flat" cmpd="sng" algn="ctr">
+              <a:solidFill>
+                <a:srgbClr val="11BD5D"/>
+              </a:solidFill>
+              <a:prstDash val="solid"/>
+              <a:round/>
+              <a:headEnd type="none" w="med" len="med"/>
+              <a:tailEnd type="none" w="med" len="med"/>
+            </a:ln>
+          </p:spPr>
+          <p:style>
+            <a:lnRef idx="0">
+              <a:scrgbClr r="0" g="0" b="0"/>
+            </a:lnRef>
+            <a:fillRef idx="0">
+              <a:scrgbClr r="0" g="0" b="0"/>
+            </a:fillRef>
+            <a:effectRef idx="0">
+              <a:scrgbClr r="0" g="0" b="0"/>
+            </a:effectRef>
+            <a:fontRef idx="minor">
+              <a:schemeClr val="dk1"/>
+            </a:fontRef>
+          </p:style>
+          <p:txBody>
+            <a:bodyPr rtlCol="0" anchor="ctr"/>
+            <a:lstStyle/>
+            <a:p>
+              <a:pPr algn="ctr"/>
+              <a:endParaRPr lang="pt-BR"/>
+            </a:p>
+          </p:txBody>
+        </p:sp>
+        <p:sp>
+          <p:nvSpPr>
+            <p:cNvPr id="3" name="Retângulo 2">
+              <a:extLst>
+                <a:ext uri="{FF2B5EF4-FFF2-40B4-BE49-F238E27FC236}">
+                  <a16:creationId xmlns:a16="http://schemas.microsoft.com/office/drawing/2014/main" id="{69F96B57-14A2-4E99-BEA4-9F163A66D582}"/>
+                </a:ext>
+              </a:extLst>
+            </p:cNvPr>
+            <p:cNvSpPr/>
+            <p:nvPr/>
+          </p:nvSpPr>
+          <p:spPr>
+            <a:xfrm>
+              <a:off x="1040295" y="1232452"/>
+              <a:ext cx="10111409" cy="675861"/>
+            </a:xfrm>
+            <a:prstGeom prst="rect">
+              <a:avLst/>
+            </a:prstGeom>
+            <a:noFill/>
+            <a:ln w="9525" cap="flat" cmpd="sng" algn="ctr">
+              <a:solidFill>
+                <a:srgbClr val="11BD5D"/>
+              </a:solidFill>
+              <a:prstDash val="solid"/>
+              <a:round/>
+              <a:headEnd type="none" w="med" len="med"/>
+              <a:tailEnd type="none" w="med" len="med"/>
+            </a:ln>
+          </p:spPr>
+          <p:style>
+            <a:lnRef idx="0">
+              <a:scrgbClr r="0" g="0" b="0"/>
+            </a:lnRef>
+            <a:fillRef idx="0">
+              <a:scrgbClr r="0" g="0" b="0"/>
+            </a:fillRef>
+            <a:effectRef idx="0">
+              <a:scrgbClr r="0" g="0" b="0"/>
+            </a:effectRef>
+            <a:fontRef idx="minor">
+              <a:schemeClr val="dk1"/>
+            </a:fontRef>
+          </p:style>
+          <p:txBody>
+            <a:bodyPr rtlCol="0" anchor="ctr"/>
+            <a:lstStyle/>
+            <a:p>
+              <a:pPr algn="ctr"/>
+              <a:endParaRPr lang="pt-BR"/>
+            </a:p>
+          </p:txBody>
+        </p:sp>
+        <p:cxnSp>
+          <p:nvCxnSpPr>
+            <p:cNvPr id="6" name="Conector reto 5">
+              <a:extLst>
+                <a:ext uri="{FF2B5EF4-FFF2-40B4-BE49-F238E27FC236}">
+                  <a16:creationId xmlns:a16="http://schemas.microsoft.com/office/drawing/2014/main" id="{06C36795-BC5C-4875-A30C-F6F2D7B4799A}"/>
+                </a:ext>
+              </a:extLst>
+            </p:cNvPr>
+            <p:cNvCxnSpPr>
+              <a:cxnSpLocks/>
+            </p:cNvCxnSpPr>
+            <p:nvPr/>
+          </p:nvCxnSpPr>
+          <p:spPr>
+            <a:xfrm>
+              <a:off x="2027584" y="1908313"/>
+              <a:ext cx="0" cy="4210878"/>
+            </a:xfrm>
+            <a:prstGeom prst="line">
+              <a:avLst/>
+            </a:prstGeom>
+            <a:ln w="12700" cap="flat" cmpd="sng" algn="ctr">
+              <a:solidFill>
+                <a:srgbClr val="11BD5D"/>
+              </a:solidFill>
+              <a:prstDash val="dash"/>
+              <a:round/>
+              <a:headEnd type="none" w="med" len="med"/>
+              <a:tailEnd type="none" w="med" len="med"/>
+            </a:ln>
+          </p:spPr>
+          <p:style>
+            <a:lnRef idx="0">
+              <a:scrgbClr r="0" g="0" b="0"/>
+            </a:lnRef>
+            <a:fillRef idx="0">
+              <a:scrgbClr r="0" g="0" b="0"/>
+            </a:fillRef>
+            <a:effectRef idx="0">
+              <a:scrgbClr r="0" g="0" b="0"/>
+            </a:effectRef>
+            <a:fontRef idx="minor">
+              <a:schemeClr val="tx1"/>
+            </a:fontRef>
+          </p:style>
+        </p:cxnSp>
+        <p:cxnSp>
+          <p:nvCxnSpPr>
+            <p:cNvPr id="9" name="Conector reto 8">
+              <a:extLst>
+                <a:ext uri="{FF2B5EF4-FFF2-40B4-BE49-F238E27FC236}">
+                  <a16:creationId xmlns:a16="http://schemas.microsoft.com/office/drawing/2014/main" id="{AD7AC60F-1CF6-41E8-A090-4D72DAAA4723}"/>
+                </a:ext>
+              </a:extLst>
+            </p:cNvPr>
+            <p:cNvCxnSpPr>
+              <a:cxnSpLocks/>
+            </p:cNvCxnSpPr>
+            <p:nvPr/>
+          </p:nvCxnSpPr>
+          <p:spPr>
+            <a:xfrm>
+              <a:off x="3611218" y="1908313"/>
+              <a:ext cx="0" cy="4210878"/>
+            </a:xfrm>
+            <a:prstGeom prst="line">
+              <a:avLst/>
+            </a:prstGeom>
+            <a:ln w="12700" cap="flat" cmpd="sng" algn="ctr">
+              <a:solidFill>
+                <a:srgbClr val="11BD5D"/>
+              </a:solidFill>
+              <a:prstDash val="dash"/>
+              <a:round/>
+              <a:headEnd type="none" w="med" len="med"/>
+              <a:tailEnd type="none" w="med" len="med"/>
+            </a:ln>
+          </p:spPr>
+          <p:style>
+            <a:lnRef idx="0">
+              <a:scrgbClr r="0" g="0" b="0"/>
+            </a:lnRef>
+            <a:fillRef idx="0">
+              <a:scrgbClr r="0" g="0" b="0"/>
+            </a:fillRef>
+            <a:effectRef idx="0">
+              <a:scrgbClr r="0" g="0" b="0"/>
+            </a:effectRef>
+            <a:fontRef idx="minor">
+              <a:schemeClr val="tx1"/>
+            </a:fontRef>
+          </p:style>
+        </p:cxnSp>
+        <p:cxnSp>
+          <p:nvCxnSpPr>
+            <p:cNvPr id="10" name="Conector reto 9">
+              <a:extLst>
+                <a:ext uri="{FF2B5EF4-FFF2-40B4-BE49-F238E27FC236}">
+                  <a16:creationId xmlns:a16="http://schemas.microsoft.com/office/drawing/2014/main" id="{9682577A-58FF-43CE-A75F-F3339DCCB660}"/>
+                </a:ext>
+              </a:extLst>
+            </p:cNvPr>
+            <p:cNvCxnSpPr>
+              <a:cxnSpLocks/>
+            </p:cNvCxnSpPr>
+            <p:nvPr/>
+          </p:nvCxnSpPr>
+          <p:spPr>
+            <a:xfrm>
+              <a:off x="5128591" y="1908313"/>
+              <a:ext cx="0" cy="4210878"/>
+            </a:xfrm>
+            <a:prstGeom prst="line">
+              <a:avLst/>
+            </a:prstGeom>
+            <a:ln w="12700" cap="flat" cmpd="sng" algn="ctr">
+              <a:solidFill>
+                <a:srgbClr val="11BD5D"/>
+              </a:solidFill>
+              <a:prstDash val="dash"/>
+              <a:round/>
+              <a:headEnd type="none" w="med" len="med"/>
+              <a:tailEnd type="none" w="med" len="med"/>
+            </a:ln>
+          </p:spPr>
+          <p:style>
+            <a:lnRef idx="0">
+              <a:scrgbClr r="0" g="0" b="0"/>
+            </a:lnRef>
+            <a:fillRef idx="0">
+              <a:scrgbClr r="0" g="0" b="0"/>
+            </a:fillRef>
+            <a:effectRef idx="0">
+              <a:scrgbClr r="0" g="0" b="0"/>
+            </a:effectRef>
+            <a:fontRef idx="minor">
+              <a:schemeClr val="tx1"/>
+            </a:fontRef>
+          </p:style>
+        </p:cxnSp>
+        <p:cxnSp>
+          <p:nvCxnSpPr>
+            <p:cNvPr id="11" name="Conector reto 10">
+              <a:extLst>
+                <a:ext uri="{FF2B5EF4-FFF2-40B4-BE49-F238E27FC236}">
+                  <a16:creationId xmlns:a16="http://schemas.microsoft.com/office/drawing/2014/main" id="{AE3F284C-DBDF-4B4B-82C0-4D745644FEEF}"/>
+                </a:ext>
+              </a:extLst>
+            </p:cNvPr>
+            <p:cNvCxnSpPr>
+              <a:cxnSpLocks/>
+            </p:cNvCxnSpPr>
+            <p:nvPr/>
+          </p:nvCxnSpPr>
+          <p:spPr>
+            <a:xfrm>
+              <a:off x="6745357" y="1908313"/>
+              <a:ext cx="0" cy="4210878"/>
+            </a:xfrm>
+            <a:prstGeom prst="line">
+              <a:avLst/>
+            </a:prstGeom>
+            <a:ln w="12700" cap="flat" cmpd="sng" algn="ctr">
+              <a:solidFill>
+                <a:srgbClr val="11BD5D"/>
+              </a:solidFill>
+              <a:prstDash val="dash"/>
+              <a:round/>
+              <a:headEnd type="none" w="med" len="med"/>
+              <a:tailEnd type="none" w="med" len="med"/>
+            </a:ln>
+          </p:spPr>
+          <p:style>
+            <a:lnRef idx="0">
+              <a:scrgbClr r="0" g="0" b="0"/>
+            </a:lnRef>
+            <a:fillRef idx="0">
+              <a:scrgbClr r="0" g="0" b="0"/>
+            </a:fillRef>
+            <a:effectRef idx="0">
+              <a:scrgbClr r="0" g="0" b="0"/>
+            </a:effectRef>
+            <a:fontRef idx="minor">
+              <a:schemeClr val="tx1"/>
+            </a:fontRef>
+          </p:style>
+        </p:cxnSp>
+        <p:cxnSp>
+          <p:nvCxnSpPr>
+            <p:cNvPr id="12" name="Conector reto 11">
+              <a:extLst>
+                <a:ext uri="{FF2B5EF4-FFF2-40B4-BE49-F238E27FC236}">
+                  <a16:creationId xmlns:a16="http://schemas.microsoft.com/office/drawing/2014/main" id="{21A9735E-61C9-4C85-8F74-B5182192656F}"/>
+                </a:ext>
+              </a:extLst>
+            </p:cNvPr>
+            <p:cNvCxnSpPr>
+              <a:cxnSpLocks/>
+            </p:cNvCxnSpPr>
+            <p:nvPr/>
+          </p:nvCxnSpPr>
+          <p:spPr>
+            <a:xfrm>
+              <a:off x="8289235" y="1908313"/>
+              <a:ext cx="0" cy="4210878"/>
+            </a:xfrm>
+            <a:prstGeom prst="line">
+              <a:avLst/>
+            </a:prstGeom>
+            <a:ln w="12700" cap="flat" cmpd="sng" algn="ctr">
+              <a:solidFill>
+                <a:srgbClr val="11BD5D"/>
+              </a:solidFill>
+              <a:prstDash val="dash"/>
+              <a:round/>
+              <a:headEnd type="none" w="med" len="med"/>
+              <a:tailEnd type="none" w="med" len="med"/>
+            </a:ln>
+          </p:spPr>
+          <p:style>
+            <a:lnRef idx="0">
+              <a:scrgbClr r="0" g="0" b="0"/>
+            </a:lnRef>
+            <a:fillRef idx="0">
+              <a:scrgbClr r="0" g="0" b="0"/>
+            </a:fillRef>
+            <a:effectRef idx="0">
+              <a:scrgbClr r="0" g="0" b="0"/>
+            </a:effectRef>
+            <a:fontRef idx="minor">
+              <a:schemeClr val="tx1"/>
+            </a:fontRef>
+          </p:style>
+        </p:cxnSp>
+        <p:cxnSp>
+          <p:nvCxnSpPr>
+            <p:cNvPr id="13" name="Conector reto 12">
+              <a:extLst>
+                <a:ext uri="{FF2B5EF4-FFF2-40B4-BE49-F238E27FC236}">
+                  <a16:creationId xmlns:a16="http://schemas.microsoft.com/office/drawing/2014/main" id="{0381E3FF-4B02-40E5-82DF-CD373EE73553}"/>
+                </a:ext>
+              </a:extLst>
+            </p:cNvPr>
+            <p:cNvCxnSpPr>
+              <a:cxnSpLocks/>
+            </p:cNvCxnSpPr>
+            <p:nvPr/>
+          </p:nvCxnSpPr>
+          <p:spPr>
+            <a:xfrm>
+              <a:off x="9707217" y="1908313"/>
+              <a:ext cx="0" cy="4210878"/>
+            </a:xfrm>
+            <a:prstGeom prst="line">
+              <a:avLst/>
+            </a:prstGeom>
+            <a:ln w="12700" cap="flat" cmpd="sng" algn="ctr">
+              <a:solidFill>
+                <a:srgbClr val="11BD5D"/>
+              </a:solidFill>
+              <a:prstDash val="dash"/>
+              <a:round/>
+              <a:headEnd type="none" w="med" len="med"/>
+              <a:tailEnd type="none" w="med" len="med"/>
+            </a:ln>
+          </p:spPr>
+          <p:style>
+            <a:lnRef idx="0">
+              <a:scrgbClr r="0" g="0" b="0"/>
+            </a:lnRef>
+            <a:fillRef idx="0">
+              <a:scrgbClr r="0" g="0" b="0"/>
+            </a:fillRef>
+            <a:effectRef idx="0">
+              <a:scrgbClr r="0" g="0" b="0"/>
+            </a:effectRef>
+            <a:fontRef idx="minor">
+              <a:schemeClr val="tx1"/>
+            </a:fontRef>
+          </p:style>
+        </p:cxnSp>
+        <p:sp>
+          <p:nvSpPr>
+            <p:cNvPr id="14" name="CaixaDeTexto 13">
+              <a:extLst>
+                <a:ext uri="{FF2B5EF4-FFF2-40B4-BE49-F238E27FC236}">
+                  <a16:creationId xmlns:a16="http://schemas.microsoft.com/office/drawing/2014/main" id="{C6D275D9-BC31-4716-941A-E23181C1EE33}"/>
+                </a:ext>
+              </a:extLst>
+            </p:cNvPr>
+            <p:cNvSpPr txBox="1"/>
+            <p:nvPr/>
+          </p:nvSpPr>
+          <p:spPr>
+            <a:xfrm>
+              <a:off x="1205949" y="1384851"/>
+              <a:ext cx="1643270" cy="371061"/>
+            </a:xfrm>
+            <a:prstGeom prst="rect">
+              <a:avLst/>
+            </a:prstGeom>
+            <a:noFill/>
+          </p:spPr>
+          <p:txBody>
+            <a:bodyPr wrap="square" rtlCol="0">
+              <a:spAutoFit/>
+            </a:bodyPr>
+            <a:lstStyle/>
+            <a:p>
+              <a:pPr algn="ctr"/>
+              <a:r>
+                <a:rPr lang="pt-BR" dirty="0"/>
+                <a:t>Semana 1</a:t>
+              </a:r>
+            </a:p>
+          </p:txBody>
+        </p:sp>
+        <p:sp>
+          <p:nvSpPr>
+            <p:cNvPr id="16" name="CaixaDeTexto 15">
+              <a:extLst>
+                <a:ext uri="{FF2B5EF4-FFF2-40B4-BE49-F238E27FC236}">
+                  <a16:creationId xmlns:a16="http://schemas.microsoft.com/office/drawing/2014/main" id="{25B0DCF6-ACC4-4A1E-989C-45FBA84486CE}"/>
+                </a:ext>
+              </a:extLst>
+            </p:cNvPr>
+            <p:cNvSpPr txBox="1"/>
+            <p:nvPr/>
+          </p:nvSpPr>
+          <p:spPr>
+            <a:xfrm>
+              <a:off x="2789583" y="1364971"/>
+              <a:ext cx="1643270" cy="371061"/>
+            </a:xfrm>
+            <a:prstGeom prst="rect">
+              <a:avLst/>
+            </a:prstGeom>
+            <a:noFill/>
+          </p:spPr>
+          <p:txBody>
+            <a:bodyPr wrap="square" rtlCol="0">
+              <a:spAutoFit/>
+            </a:bodyPr>
+            <a:lstStyle/>
+            <a:p>
+              <a:pPr algn="ctr"/>
+              <a:r>
+                <a:rPr lang="pt-BR" dirty="0"/>
+                <a:t>Semana 2</a:t>
+              </a:r>
+            </a:p>
+          </p:txBody>
+        </p:sp>
+        <p:sp>
+          <p:nvSpPr>
+            <p:cNvPr id="17" name="CaixaDeTexto 16">
+              <a:extLst>
+                <a:ext uri="{FF2B5EF4-FFF2-40B4-BE49-F238E27FC236}">
+                  <a16:creationId xmlns:a16="http://schemas.microsoft.com/office/drawing/2014/main" id="{218AE6B1-7DA4-4732-B3AE-E08316D45758}"/>
+                </a:ext>
+              </a:extLst>
+            </p:cNvPr>
+            <p:cNvSpPr txBox="1"/>
+            <p:nvPr/>
+          </p:nvSpPr>
+          <p:spPr>
+            <a:xfrm>
+              <a:off x="4313581" y="1364971"/>
+              <a:ext cx="1643270" cy="371061"/>
+            </a:xfrm>
+            <a:prstGeom prst="rect">
+              <a:avLst/>
+            </a:prstGeom>
+            <a:noFill/>
+          </p:spPr>
+          <p:txBody>
+            <a:bodyPr wrap="square" rtlCol="0">
+              <a:spAutoFit/>
+            </a:bodyPr>
+            <a:lstStyle/>
+            <a:p>
+              <a:pPr algn="ctr"/>
+              <a:r>
+                <a:rPr lang="pt-BR" dirty="0"/>
+                <a:t>Semana 3</a:t>
+              </a:r>
+            </a:p>
+          </p:txBody>
+        </p:sp>
+        <p:sp>
+          <p:nvSpPr>
+            <p:cNvPr id="18" name="CaixaDeTexto 17">
+              <a:extLst>
+                <a:ext uri="{FF2B5EF4-FFF2-40B4-BE49-F238E27FC236}">
+                  <a16:creationId xmlns:a16="http://schemas.microsoft.com/office/drawing/2014/main" id="{09280F82-8240-473B-93F1-D556363DD18C}"/>
+                </a:ext>
+              </a:extLst>
+            </p:cNvPr>
+            <p:cNvSpPr txBox="1"/>
+            <p:nvPr/>
+          </p:nvSpPr>
+          <p:spPr>
+            <a:xfrm>
+              <a:off x="5811075" y="1364970"/>
+              <a:ext cx="1643270" cy="371061"/>
+            </a:xfrm>
+            <a:prstGeom prst="rect">
+              <a:avLst/>
+            </a:prstGeom>
+            <a:noFill/>
+          </p:spPr>
+          <p:txBody>
+            <a:bodyPr wrap="square" rtlCol="0">
+              <a:spAutoFit/>
+            </a:bodyPr>
+            <a:lstStyle/>
+            <a:p>
+              <a:pPr algn="ctr"/>
+              <a:r>
+                <a:rPr lang="pt-BR" dirty="0"/>
+                <a:t>Semana 4</a:t>
+              </a:r>
+            </a:p>
+          </p:txBody>
+        </p:sp>
+        <p:sp>
+          <p:nvSpPr>
+            <p:cNvPr id="19" name="CaixaDeTexto 18">
+              <a:extLst>
+                <a:ext uri="{FF2B5EF4-FFF2-40B4-BE49-F238E27FC236}">
+                  <a16:creationId xmlns:a16="http://schemas.microsoft.com/office/drawing/2014/main" id="{FCF7288E-568A-4852-AB43-C8BC64E7BE78}"/>
+                </a:ext>
+              </a:extLst>
+            </p:cNvPr>
+            <p:cNvSpPr txBox="1"/>
+            <p:nvPr/>
+          </p:nvSpPr>
+          <p:spPr>
+            <a:xfrm>
+              <a:off x="7394709" y="1351714"/>
+              <a:ext cx="1643270" cy="371061"/>
+            </a:xfrm>
+            <a:prstGeom prst="rect">
+              <a:avLst/>
+            </a:prstGeom>
+            <a:noFill/>
+          </p:spPr>
+          <p:txBody>
+            <a:bodyPr wrap="square" rtlCol="0">
+              <a:spAutoFit/>
+            </a:bodyPr>
+            <a:lstStyle/>
+            <a:p>
+              <a:pPr algn="ctr"/>
+              <a:r>
+                <a:rPr lang="pt-BR" dirty="0"/>
+                <a:t>Semana 5</a:t>
+              </a:r>
+            </a:p>
+          </p:txBody>
+        </p:sp>
+        <p:sp>
+          <p:nvSpPr>
+            <p:cNvPr id="20" name="CaixaDeTexto 19">
+              <a:extLst>
+                <a:ext uri="{FF2B5EF4-FFF2-40B4-BE49-F238E27FC236}">
+                  <a16:creationId xmlns:a16="http://schemas.microsoft.com/office/drawing/2014/main" id="{4089F031-C0F7-43B5-AA56-0A378C0F1925}"/>
+                </a:ext>
+              </a:extLst>
+            </p:cNvPr>
+            <p:cNvSpPr txBox="1"/>
+            <p:nvPr/>
+          </p:nvSpPr>
+          <p:spPr>
+            <a:xfrm>
+              <a:off x="8885582" y="1338458"/>
+              <a:ext cx="1643270" cy="371061"/>
+            </a:xfrm>
+            <a:prstGeom prst="rect">
+              <a:avLst/>
+            </a:prstGeom>
+            <a:noFill/>
+          </p:spPr>
+          <p:txBody>
+            <a:bodyPr wrap="square" rtlCol="0">
+              <a:spAutoFit/>
+            </a:bodyPr>
+            <a:lstStyle/>
+            <a:p>
+              <a:pPr algn="ctr"/>
+              <a:r>
+                <a:rPr lang="pt-BR" dirty="0"/>
+                <a:t>Semana 6</a:t>
+              </a:r>
+            </a:p>
+          </p:txBody>
+        </p:sp>
+        <p:sp>
+          <p:nvSpPr>
+            <p:cNvPr id="21" name="CaixaDeTexto 20">
+              <a:extLst>
+                <a:ext uri="{FF2B5EF4-FFF2-40B4-BE49-F238E27FC236}">
+                  <a16:creationId xmlns:a16="http://schemas.microsoft.com/office/drawing/2014/main" id="{6CEC42C2-3F8D-44F5-9A4A-D404FB21BE84}"/>
+                </a:ext>
+              </a:extLst>
+            </p:cNvPr>
+            <p:cNvSpPr txBox="1"/>
+            <p:nvPr/>
+          </p:nvSpPr>
+          <p:spPr>
+            <a:xfrm>
+              <a:off x="1315280" y="2752491"/>
+              <a:ext cx="1550499" cy="923330"/>
+            </a:xfrm>
+            <a:prstGeom prst="rect">
+              <a:avLst/>
+            </a:prstGeom>
+            <a:noFill/>
+          </p:spPr>
+          <p:txBody>
+            <a:bodyPr wrap="square" rtlCol="0">
+              <a:spAutoFit/>
+            </a:bodyPr>
+            <a:lstStyle/>
+            <a:p>
+              <a:pPr algn="ctr"/>
+              <a:r>
+                <a:rPr lang="pt-BR" b="1" dirty="0" err="1"/>
+                <a:t>Kickoff</a:t>
+              </a:r>
+              <a:r>
+                <a:rPr lang="pt-BR" b="1" dirty="0"/>
+                <a:t> SP3 Apresentação do projeto   </a:t>
+              </a:r>
+            </a:p>
+          </p:txBody>
+        </p:sp>
+        <p:sp>
+          <p:nvSpPr>
+            <p:cNvPr id="25" name="CaixaDeTexto 24">
+              <a:extLst>
+                <a:ext uri="{FF2B5EF4-FFF2-40B4-BE49-F238E27FC236}">
+                  <a16:creationId xmlns:a16="http://schemas.microsoft.com/office/drawing/2014/main" id="{D6A7E4EC-53F2-4C43-BD1A-60B5CB04021D}"/>
+                </a:ext>
+              </a:extLst>
+            </p:cNvPr>
+            <p:cNvSpPr txBox="1"/>
+            <p:nvPr/>
+          </p:nvSpPr>
+          <p:spPr>
+            <a:xfrm>
+              <a:off x="2869100" y="2685599"/>
+              <a:ext cx="1550499" cy="923330"/>
+            </a:xfrm>
+            <a:prstGeom prst="rect">
+              <a:avLst/>
+            </a:prstGeom>
+            <a:noFill/>
+          </p:spPr>
+          <p:txBody>
+            <a:bodyPr wrap="square" rtlCol="0">
+              <a:spAutoFit/>
+            </a:bodyPr>
+            <a:lstStyle/>
+            <a:p>
+              <a:pPr algn="ctr"/>
+              <a:r>
+                <a:rPr lang="pt-BR" b="1" dirty="0"/>
+                <a:t>Tela de Dashboard responsiva</a:t>
+              </a:r>
+            </a:p>
+          </p:txBody>
+        </p:sp>
+        <p:cxnSp>
+          <p:nvCxnSpPr>
+            <p:cNvPr id="27" name="Conector de Seta Reta 26">
+              <a:extLst>
+                <a:ext uri="{FF2B5EF4-FFF2-40B4-BE49-F238E27FC236}">
+                  <a16:creationId xmlns:a16="http://schemas.microsoft.com/office/drawing/2014/main" id="{EEAA07AF-AFD8-45EC-99E5-2E3D2146CC61}"/>
+                </a:ext>
+              </a:extLst>
+            </p:cNvPr>
+            <p:cNvCxnSpPr/>
+            <p:nvPr/>
+          </p:nvCxnSpPr>
+          <p:spPr>
+            <a:xfrm>
+              <a:off x="3611218" y="4055165"/>
+              <a:ext cx="1517373" cy="0"/>
+            </a:xfrm>
+            <a:prstGeom prst="straightConnector1">
+              <a:avLst/>
+            </a:prstGeom>
+            <a:ln>
+              <a:solidFill>
+                <a:srgbClr val="11BD5D"/>
+              </a:solidFill>
+              <a:tailEnd type="triangle"/>
+            </a:ln>
+          </p:spPr>
+          <p:style>
+            <a:lnRef idx="1">
+              <a:schemeClr val="dk1"/>
+            </a:lnRef>
+            <a:fillRef idx="0">
+              <a:schemeClr val="dk1"/>
+            </a:fillRef>
+            <a:effectRef idx="0">
+              <a:schemeClr val="dk1"/>
+            </a:effectRef>
+            <a:fontRef idx="minor">
+              <a:schemeClr val="tx1"/>
+            </a:fontRef>
+          </p:style>
+        </p:cxnSp>
+        <p:sp>
+          <p:nvSpPr>
+            <p:cNvPr id="28" name="CaixaDeTexto 27">
+              <a:extLst>
+                <a:ext uri="{FF2B5EF4-FFF2-40B4-BE49-F238E27FC236}">
+                  <a16:creationId xmlns:a16="http://schemas.microsoft.com/office/drawing/2014/main" id="{CDD48B42-32A6-4654-ACB6-6CEA09BD6F31}"/>
+                </a:ext>
+              </a:extLst>
+            </p:cNvPr>
+            <p:cNvSpPr txBox="1"/>
+            <p:nvPr/>
+          </p:nvSpPr>
+          <p:spPr>
+            <a:xfrm>
+              <a:off x="3624461" y="4045175"/>
+              <a:ext cx="1550499" cy="646331"/>
+            </a:xfrm>
+            <a:prstGeom prst="rect">
+              <a:avLst/>
+            </a:prstGeom>
+            <a:noFill/>
+          </p:spPr>
+          <p:txBody>
+            <a:bodyPr wrap="square" rtlCol="0">
+              <a:spAutoFit/>
+            </a:bodyPr>
+            <a:lstStyle/>
+            <a:p>
+              <a:pPr algn="ctr"/>
+              <a:r>
+                <a:rPr lang="pt-BR" b="1" dirty="0" err="1"/>
+                <a:t>Backend</a:t>
+              </a:r>
+              <a:r>
+                <a:rPr lang="pt-BR" b="1" dirty="0"/>
+                <a:t> do Dashboard</a:t>
+              </a:r>
+            </a:p>
+          </p:txBody>
+        </p:sp>
+        <p:cxnSp>
+          <p:nvCxnSpPr>
+            <p:cNvPr id="29" name="Conector de Seta Reta 28">
+              <a:extLst>
+                <a:ext uri="{FF2B5EF4-FFF2-40B4-BE49-F238E27FC236}">
+                  <a16:creationId xmlns:a16="http://schemas.microsoft.com/office/drawing/2014/main" id="{73030DD3-AF2F-4634-8F67-EB25E0F85F51}"/>
+                </a:ext>
+              </a:extLst>
+            </p:cNvPr>
+            <p:cNvCxnSpPr/>
+            <p:nvPr/>
+          </p:nvCxnSpPr>
+          <p:spPr>
+            <a:xfrm>
+              <a:off x="5184912" y="3581400"/>
+              <a:ext cx="1517373" cy="0"/>
+            </a:xfrm>
+            <a:prstGeom prst="straightConnector1">
+              <a:avLst/>
+            </a:prstGeom>
+            <a:ln>
+              <a:solidFill>
+                <a:srgbClr val="11BD5D"/>
+              </a:solidFill>
+              <a:tailEnd type="triangle"/>
+            </a:ln>
+          </p:spPr>
+          <p:style>
+            <a:lnRef idx="1">
+              <a:schemeClr val="dk1"/>
+            </a:lnRef>
+            <a:fillRef idx="0">
+              <a:schemeClr val="dk1"/>
+            </a:fillRef>
+            <a:effectRef idx="0">
+              <a:schemeClr val="dk1"/>
+            </a:effectRef>
+            <a:fontRef idx="minor">
+              <a:schemeClr val="tx1"/>
+            </a:fontRef>
+          </p:style>
+        </p:cxnSp>
+        <p:sp>
+          <p:nvSpPr>
+            <p:cNvPr id="31" name="CaixaDeTexto 30">
+              <a:extLst>
+                <a:ext uri="{FF2B5EF4-FFF2-40B4-BE49-F238E27FC236}">
+                  <a16:creationId xmlns:a16="http://schemas.microsoft.com/office/drawing/2014/main" id="{8C20225C-D380-453F-8638-7C7BF301E47E}"/>
+                </a:ext>
+              </a:extLst>
+            </p:cNvPr>
+            <p:cNvSpPr txBox="1"/>
+            <p:nvPr/>
+          </p:nvSpPr>
+          <p:spPr>
+            <a:xfrm>
+              <a:off x="5155099" y="3601384"/>
+              <a:ext cx="1550499" cy="923330"/>
+            </a:xfrm>
+            <a:prstGeom prst="rect">
+              <a:avLst/>
+            </a:prstGeom>
+            <a:noFill/>
+          </p:spPr>
+          <p:txBody>
+            <a:bodyPr wrap="square" rtlCol="0">
+              <a:spAutoFit/>
+            </a:bodyPr>
+            <a:lstStyle/>
+            <a:p>
+              <a:pPr algn="ctr"/>
+              <a:r>
+                <a:rPr lang="pt-BR" b="1" dirty="0"/>
+                <a:t>Integração do front com o </a:t>
+              </a:r>
+              <a:r>
+                <a:rPr lang="pt-BR" b="1" dirty="0" err="1"/>
+                <a:t>backend</a:t>
+              </a:r>
+              <a:endParaRPr lang="pt-BR" b="1" dirty="0"/>
+            </a:p>
+          </p:txBody>
+        </p:sp>
+        <p:cxnSp>
+          <p:nvCxnSpPr>
+            <p:cNvPr id="34" name="Conector de Seta Reta 33">
+              <a:extLst>
+                <a:ext uri="{FF2B5EF4-FFF2-40B4-BE49-F238E27FC236}">
+                  <a16:creationId xmlns:a16="http://schemas.microsoft.com/office/drawing/2014/main" id="{5195A0AA-610E-42D3-A666-206A3E1371E1}"/>
+                </a:ext>
+              </a:extLst>
+            </p:cNvPr>
+            <p:cNvCxnSpPr/>
+            <p:nvPr/>
+          </p:nvCxnSpPr>
+          <p:spPr>
+            <a:xfrm>
+              <a:off x="6771862" y="3887200"/>
+              <a:ext cx="1517373" cy="0"/>
+            </a:xfrm>
+            <a:prstGeom prst="straightConnector1">
+              <a:avLst/>
+            </a:prstGeom>
+            <a:ln>
+              <a:solidFill>
+                <a:srgbClr val="11BD5D"/>
+              </a:solidFill>
+              <a:tailEnd type="triangle"/>
+            </a:ln>
+          </p:spPr>
+          <p:style>
+            <a:lnRef idx="1">
+              <a:schemeClr val="dk1"/>
+            </a:lnRef>
+            <a:fillRef idx="0">
+              <a:schemeClr val="dk1"/>
+            </a:fillRef>
+            <a:effectRef idx="0">
+              <a:schemeClr val="dk1"/>
+            </a:effectRef>
+            <a:fontRef idx="minor">
+              <a:schemeClr val="tx1"/>
+            </a:fontRef>
+          </p:style>
+        </p:cxnSp>
+        <p:sp>
+          <p:nvSpPr>
+            <p:cNvPr id="30" name="CaixaDeTexto 29">
+              <a:extLst>
+                <a:ext uri="{FF2B5EF4-FFF2-40B4-BE49-F238E27FC236}">
+                  <a16:creationId xmlns:a16="http://schemas.microsoft.com/office/drawing/2014/main" id="{C207FDF6-06BD-4395-A5ED-55B71F75AE0E}"/>
+                </a:ext>
+              </a:extLst>
+            </p:cNvPr>
+            <p:cNvSpPr txBox="1"/>
+            <p:nvPr/>
+          </p:nvSpPr>
+          <p:spPr>
+            <a:xfrm>
+              <a:off x="6755298" y="3887200"/>
+              <a:ext cx="1550499" cy="646331"/>
+            </a:xfrm>
+            <a:prstGeom prst="rect">
+              <a:avLst/>
+            </a:prstGeom>
+            <a:noFill/>
+          </p:spPr>
+          <p:txBody>
+            <a:bodyPr wrap="square" rtlCol="0">
+              <a:spAutoFit/>
+            </a:bodyPr>
+            <a:lstStyle/>
+            <a:p>
+              <a:pPr algn="ctr"/>
+              <a:r>
+                <a:rPr lang="pt-BR" b="1" dirty="0"/>
+                <a:t>Testar aplicação</a:t>
+              </a:r>
+            </a:p>
+          </p:txBody>
+        </p:sp>
+        <p:sp>
+          <p:nvSpPr>
+            <p:cNvPr id="36" name="CaixaDeTexto 35">
+              <a:extLst>
+                <a:ext uri="{FF2B5EF4-FFF2-40B4-BE49-F238E27FC236}">
+                  <a16:creationId xmlns:a16="http://schemas.microsoft.com/office/drawing/2014/main" id="{3D12CF67-A6DB-4B96-9282-BF51FF6B4705}"/>
+                </a:ext>
+              </a:extLst>
+            </p:cNvPr>
+            <p:cNvSpPr txBox="1"/>
+            <p:nvPr/>
+          </p:nvSpPr>
+          <p:spPr>
+            <a:xfrm>
+              <a:off x="2017659" y="4823396"/>
+              <a:ext cx="1550499" cy="923330"/>
+            </a:xfrm>
+            <a:prstGeom prst="rect">
+              <a:avLst/>
+            </a:prstGeom>
+            <a:noFill/>
+          </p:spPr>
+          <p:txBody>
+            <a:bodyPr wrap="square" rtlCol="0">
+              <a:spAutoFit/>
+            </a:bodyPr>
+            <a:lstStyle/>
+            <a:p>
+              <a:pPr algn="ctr"/>
+              <a:r>
+                <a:rPr lang="pt-BR" b="1" dirty="0"/>
+                <a:t>Relacionamento das classes no </a:t>
+              </a:r>
+              <a:r>
+                <a:rPr lang="pt-BR" b="1" dirty="0" err="1"/>
+                <a:t>backend</a:t>
+              </a:r>
+              <a:endParaRPr lang="pt-BR" b="1" dirty="0"/>
+            </a:p>
+          </p:txBody>
+        </p:sp>
+        <p:cxnSp>
+          <p:nvCxnSpPr>
+            <p:cNvPr id="37" name="Conector de Seta Reta 36">
+              <a:extLst>
+                <a:ext uri="{FF2B5EF4-FFF2-40B4-BE49-F238E27FC236}">
+                  <a16:creationId xmlns:a16="http://schemas.microsoft.com/office/drawing/2014/main" id="{EEE8D56B-26C7-416B-A35E-61F254A15657}"/>
+                </a:ext>
+              </a:extLst>
+            </p:cNvPr>
+            <p:cNvCxnSpPr/>
+            <p:nvPr/>
+          </p:nvCxnSpPr>
+          <p:spPr>
+            <a:xfrm>
+              <a:off x="2067344" y="4823396"/>
+              <a:ext cx="1517373" cy="0"/>
+            </a:xfrm>
+            <a:prstGeom prst="straightConnector1">
+              <a:avLst/>
+            </a:prstGeom>
+            <a:ln>
+              <a:solidFill>
+                <a:srgbClr val="11BD5D"/>
+              </a:solidFill>
+              <a:tailEnd type="triangle"/>
+            </a:ln>
+          </p:spPr>
+          <p:style>
+            <a:lnRef idx="1">
+              <a:schemeClr val="dk1"/>
+            </a:lnRef>
+            <a:fillRef idx="0">
+              <a:schemeClr val="dk1"/>
+            </a:fillRef>
+            <a:effectRef idx="0">
+              <a:schemeClr val="dk1"/>
+            </a:effectRef>
+            <a:fontRef idx="minor">
+              <a:schemeClr val="tx1"/>
+            </a:fontRef>
+          </p:style>
+        </p:cxnSp>
+        <p:sp>
+          <p:nvSpPr>
+            <p:cNvPr id="39" name="CaixaDeTexto 38">
+              <a:extLst>
+                <a:ext uri="{FF2B5EF4-FFF2-40B4-BE49-F238E27FC236}">
+                  <a16:creationId xmlns:a16="http://schemas.microsoft.com/office/drawing/2014/main" id="{12BC3B8A-CF30-4E3C-BD03-D03981945ED4}"/>
+                </a:ext>
+              </a:extLst>
+            </p:cNvPr>
+            <p:cNvSpPr txBox="1"/>
+            <p:nvPr/>
+          </p:nvSpPr>
+          <p:spPr>
+            <a:xfrm>
+              <a:off x="8262729" y="4500230"/>
+              <a:ext cx="1550499" cy="646331"/>
+            </a:xfrm>
+            <a:prstGeom prst="rect">
+              <a:avLst/>
+            </a:prstGeom>
+            <a:noFill/>
+          </p:spPr>
+          <p:txBody>
+            <a:bodyPr wrap="square" rtlCol="0">
+              <a:spAutoFit/>
+            </a:bodyPr>
+            <a:lstStyle/>
+            <a:p>
+              <a:pPr algn="ctr"/>
+              <a:r>
+                <a:rPr lang="pt-BR" b="1" dirty="0"/>
+                <a:t>Apresentação Sprint 3</a:t>
+              </a:r>
+            </a:p>
+          </p:txBody>
+        </p:sp>
+        <p:sp>
+          <p:nvSpPr>
+            <p:cNvPr id="5" name="Fluxograma: Conector 4">
+              <a:extLst>
+                <a:ext uri="{FF2B5EF4-FFF2-40B4-BE49-F238E27FC236}">
+                  <a16:creationId xmlns:a16="http://schemas.microsoft.com/office/drawing/2014/main" id="{FA4952E2-848F-441C-A1CF-9859163E84EB}"/>
+                </a:ext>
+              </a:extLst>
+            </p:cNvPr>
+            <p:cNvSpPr/>
+            <p:nvPr/>
+          </p:nvSpPr>
+          <p:spPr>
+            <a:xfrm>
+              <a:off x="1934817" y="2490488"/>
+              <a:ext cx="185533" cy="176240"/>
+            </a:xfrm>
+            <a:prstGeom prst="flowChartConnector">
+              <a:avLst/>
+            </a:prstGeom>
             <a:solidFill>
               <a:srgbClr val="11BD5D"/>
             </a:solidFill>
-            <a:prstDash val="solid"/>
-            <a:round/>
-            <a:headEnd type="none" w="med" len="med"/>
-            <a:tailEnd type="none" w="med" len="med"/>
-          </a:ln>
-        </p:spPr>
-        <p:style>
-          <a:lnRef idx="0">
-            <a:scrgbClr r="0" g="0" b="0"/>
-          </a:lnRef>
-          <a:fillRef idx="0">
-            <a:scrgbClr r="0" g="0" b="0"/>
-          </a:fillRef>
-          <a:effectRef idx="0">
-            <a:scrgbClr r="0" g="0" b="0"/>
-          </a:effectRef>
-          <a:fontRef idx="minor">
-            <a:schemeClr val="dk1"/>
-          </a:fontRef>
-        </p:style>
-        <p:txBody>
-          <a:bodyPr rtlCol="0" anchor="ctr"/>
-          <a:lstStyle/>
-          <a:p>
-            <a:pPr algn="ctr"/>
-            <a:endParaRPr lang="pt-BR"/>
-          </a:p>
-        </p:txBody>
-      </p:sp>
-      <p:sp>
-        <p:nvSpPr>
-          <p:cNvPr id="3" name="Retângulo 2">
-            <a:extLst>
-              <a:ext uri="{FF2B5EF4-FFF2-40B4-BE49-F238E27FC236}">
-                <a16:creationId xmlns:a16="http://schemas.microsoft.com/office/drawing/2014/main" id="{69F96B57-14A2-4E99-BEA4-9F163A66D582}"/>
-              </a:ext>
-            </a:extLst>
-          </p:cNvPr>
-          <p:cNvSpPr/>
-          <p:nvPr/>
-        </p:nvSpPr>
-        <p:spPr>
-          <a:xfrm>
-            <a:off x="1040295" y="1232452"/>
-            <a:ext cx="10111409" cy="675861"/>
-          </a:xfrm>
-          <a:prstGeom prst="rect">
-            <a:avLst/>
-          </a:prstGeom>
-          <a:noFill/>
-          <a:ln w="9525" cap="flat" cmpd="sng" algn="ctr">
+            <a:ln>
+              <a:solidFill>
+                <a:schemeClr val="tx1"/>
+              </a:solidFill>
+            </a:ln>
+          </p:spPr>
+          <p:style>
+            <a:lnRef idx="2">
+              <a:schemeClr val="accent1">
+                <a:shade val="50000"/>
+              </a:schemeClr>
+            </a:lnRef>
+            <a:fillRef idx="1">
+              <a:schemeClr val="accent1"/>
+            </a:fillRef>
+            <a:effectRef idx="0">
+              <a:schemeClr val="accent1"/>
+            </a:effectRef>
+            <a:fontRef idx="minor">
+              <a:schemeClr val="lt1"/>
+            </a:fontRef>
+          </p:style>
+          <p:txBody>
+            <a:bodyPr rtlCol="0" anchor="ctr"/>
+            <a:lstStyle/>
+            <a:p>
+              <a:pPr algn="ctr"/>
+              <a:endParaRPr lang="pt-BR"/>
+            </a:p>
+          </p:txBody>
+        </p:sp>
+        <p:sp>
+          <p:nvSpPr>
+            <p:cNvPr id="41" name="Fluxograma: Conector 40">
+              <a:extLst>
+                <a:ext uri="{FF2B5EF4-FFF2-40B4-BE49-F238E27FC236}">
+                  <a16:creationId xmlns:a16="http://schemas.microsoft.com/office/drawing/2014/main" id="{A42AA7B6-2E5F-40F3-A004-A7A1DFECB145}"/>
+                </a:ext>
+              </a:extLst>
+            </p:cNvPr>
+            <p:cNvSpPr/>
+            <p:nvPr/>
+          </p:nvSpPr>
+          <p:spPr>
+            <a:xfrm>
+              <a:off x="3521770" y="2490488"/>
+              <a:ext cx="185533" cy="176240"/>
+            </a:xfrm>
+            <a:prstGeom prst="flowChartConnector">
+              <a:avLst/>
+            </a:prstGeom>
             <a:solidFill>
               <a:srgbClr val="11BD5D"/>
             </a:solidFill>
-            <a:prstDash val="solid"/>
-            <a:round/>
-            <a:headEnd type="none" w="med" len="med"/>
-            <a:tailEnd type="none" w="med" len="med"/>
-          </a:ln>
-        </p:spPr>
-        <p:style>
-          <a:lnRef idx="0">
-            <a:scrgbClr r="0" g="0" b="0"/>
-          </a:lnRef>
-          <a:fillRef idx="0">
-            <a:scrgbClr r="0" g="0" b="0"/>
-          </a:fillRef>
-          <a:effectRef idx="0">
-            <a:scrgbClr r="0" g="0" b="0"/>
-          </a:effectRef>
-          <a:fontRef idx="minor">
-            <a:schemeClr val="dk1"/>
-          </a:fontRef>
-        </p:style>
-        <p:txBody>
-          <a:bodyPr rtlCol="0" anchor="ctr"/>
-          <a:lstStyle/>
-          <a:p>
-            <a:pPr algn="ctr"/>
-            <a:endParaRPr lang="pt-BR"/>
-          </a:p>
-        </p:txBody>
-      </p:sp>
-      <p:cxnSp>
-        <p:nvCxnSpPr>
-          <p:cNvPr id="6" name="Conector reto 5">
-            <a:extLst>
-              <a:ext uri="{FF2B5EF4-FFF2-40B4-BE49-F238E27FC236}">
-                <a16:creationId xmlns:a16="http://schemas.microsoft.com/office/drawing/2014/main" id="{06C36795-BC5C-4875-A30C-F6F2D7B4799A}"/>
-              </a:ext>
-            </a:extLst>
-          </p:cNvPr>
-          <p:cNvCxnSpPr>
-            <a:cxnSpLocks/>
-          </p:cNvCxnSpPr>
-          <p:nvPr/>
-        </p:nvCxnSpPr>
-        <p:spPr>
-          <a:xfrm>
-            <a:off x="2027584" y="1908313"/>
-            <a:ext cx="0" cy="4210878"/>
-          </a:xfrm>
-          <a:prstGeom prst="line">
-            <a:avLst/>
-          </a:prstGeom>
-          <a:ln w="12700" cap="flat" cmpd="sng" algn="ctr">
+            <a:ln>
+              <a:solidFill>
+                <a:schemeClr val="tx1"/>
+              </a:solidFill>
+            </a:ln>
+          </p:spPr>
+          <p:style>
+            <a:lnRef idx="2">
+              <a:schemeClr val="accent1">
+                <a:shade val="50000"/>
+              </a:schemeClr>
+            </a:lnRef>
+            <a:fillRef idx="1">
+              <a:schemeClr val="accent1"/>
+            </a:fillRef>
+            <a:effectRef idx="0">
+              <a:schemeClr val="accent1"/>
+            </a:effectRef>
+            <a:fontRef idx="minor">
+              <a:schemeClr val="lt1"/>
+            </a:fontRef>
+          </p:style>
+          <p:txBody>
+            <a:bodyPr rtlCol="0" anchor="ctr"/>
+            <a:lstStyle/>
+            <a:p>
+              <a:pPr algn="ctr"/>
+              <a:endParaRPr lang="pt-BR"/>
+            </a:p>
+          </p:txBody>
+        </p:sp>
+        <p:sp>
+          <p:nvSpPr>
+            <p:cNvPr id="42" name="Fluxograma: Conector 41">
+              <a:extLst>
+                <a:ext uri="{FF2B5EF4-FFF2-40B4-BE49-F238E27FC236}">
+                  <a16:creationId xmlns:a16="http://schemas.microsoft.com/office/drawing/2014/main" id="{DE5416B4-787F-45D9-B195-806F8B8E52E6}"/>
+                </a:ext>
+              </a:extLst>
+            </p:cNvPr>
+            <p:cNvSpPr/>
+            <p:nvPr/>
+          </p:nvSpPr>
+          <p:spPr>
+            <a:xfrm>
+              <a:off x="5029475" y="3256616"/>
+              <a:ext cx="185533" cy="176240"/>
+            </a:xfrm>
+            <a:prstGeom prst="flowChartConnector">
+              <a:avLst/>
+            </a:prstGeom>
             <a:solidFill>
               <a:srgbClr val="11BD5D"/>
             </a:solidFill>
-            <a:prstDash val="dash"/>
-            <a:round/>
-            <a:headEnd type="none" w="med" len="med"/>
-            <a:tailEnd type="none" w="med" len="med"/>
-          </a:ln>
-        </p:spPr>
-        <p:style>
-          <a:lnRef idx="0">
-            <a:scrgbClr r="0" g="0" b="0"/>
-          </a:lnRef>
-          <a:fillRef idx="0">
-            <a:scrgbClr r="0" g="0" b="0"/>
-          </a:fillRef>
-          <a:effectRef idx="0">
-            <a:scrgbClr r="0" g="0" b="0"/>
-          </a:effectRef>
-          <a:fontRef idx="minor">
-            <a:schemeClr val="tx1"/>
-          </a:fontRef>
-        </p:style>
-      </p:cxnSp>
-      <p:cxnSp>
-        <p:nvCxnSpPr>
-          <p:cNvPr id="9" name="Conector reto 8">
-            <a:extLst>
-              <a:ext uri="{FF2B5EF4-FFF2-40B4-BE49-F238E27FC236}">
-                <a16:creationId xmlns:a16="http://schemas.microsoft.com/office/drawing/2014/main" id="{AD7AC60F-1CF6-41E8-A090-4D72DAAA4723}"/>
-              </a:ext>
-            </a:extLst>
-          </p:cNvPr>
-          <p:cNvCxnSpPr>
-            <a:cxnSpLocks/>
-          </p:cNvCxnSpPr>
-          <p:nvPr/>
-        </p:nvCxnSpPr>
-        <p:spPr>
-          <a:xfrm>
-            <a:off x="3611218" y="1908313"/>
-            <a:ext cx="0" cy="4210878"/>
-          </a:xfrm>
-          <a:prstGeom prst="line">
-            <a:avLst/>
-          </a:prstGeom>
-          <a:ln w="12700" cap="flat" cmpd="sng" algn="ctr">
+            <a:ln>
+              <a:solidFill>
+                <a:schemeClr val="tx1"/>
+              </a:solidFill>
+            </a:ln>
+          </p:spPr>
+          <p:style>
+            <a:lnRef idx="2">
+              <a:schemeClr val="accent1">
+                <a:shade val="50000"/>
+              </a:schemeClr>
+            </a:lnRef>
+            <a:fillRef idx="1">
+              <a:schemeClr val="accent1"/>
+            </a:fillRef>
+            <a:effectRef idx="0">
+              <a:schemeClr val="accent1"/>
+            </a:effectRef>
+            <a:fontRef idx="minor">
+              <a:schemeClr val="lt1"/>
+            </a:fontRef>
+          </p:style>
+          <p:txBody>
+            <a:bodyPr rtlCol="0" anchor="ctr"/>
+            <a:lstStyle/>
+            <a:p>
+              <a:pPr algn="ctr"/>
+              <a:endParaRPr lang="pt-BR"/>
+            </a:p>
+          </p:txBody>
+        </p:sp>
+        <p:sp>
+          <p:nvSpPr>
+            <p:cNvPr id="43" name="Fluxograma: Conector 42">
+              <a:extLst>
+                <a:ext uri="{FF2B5EF4-FFF2-40B4-BE49-F238E27FC236}">
+                  <a16:creationId xmlns:a16="http://schemas.microsoft.com/office/drawing/2014/main" id="{020CB1A5-8E2C-4C8E-9A8C-1EBDEB95CC43}"/>
+                </a:ext>
+              </a:extLst>
+            </p:cNvPr>
+            <p:cNvSpPr/>
+            <p:nvPr/>
+          </p:nvSpPr>
+          <p:spPr>
+            <a:xfrm>
+              <a:off x="6659216" y="3261292"/>
+              <a:ext cx="185533" cy="176240"/>
+            </a:xfrm>
+            <a:prstGeom prst="flowChartConnector">
+              <a:avLst/>
+            </a:prstGeom>
             <a:solidFill>
               <a:srgbClr val="11BD5D"/>
             </a:solidFill>
-            <a:prstDash val="dash"/>
-            <a:round/>
-            <a:headEnd type="none" w="med" len="med"/>
-            <a:tailEnd type="none" w="med" len="med"/>
-          </a:ln>
-        </p:spPr>
-        <p:style>
-          <a:lnRef idx="0">
-            <a:scrgbClr r="0" g="0" b="0"/>
-          </a:lnRef>
-          <a:fillRef idx="0">
-            <a:scrgbClr r="0" g="0" b="0"/>
-          </a:fillRef>
-          <a:effectRef idx="0">
-            <a:scrgbClr r="0" g="0" b="0"/>
-          </a:effectRef>
-          <a:fontRef idx="minor">
-            <a:schemeClr val="tx1"/>
-          </a:fontRef>
-        </p:style>
-      </p:cxnSp>
-      <p:cxnSp>
-        <p:nvCxnSpPr>
-          <p:cNvPr id="10" name="Conector reto 9">
-            <a:extLst>
-              <a:ext uri="{FF2B5EF4-FFF2-40B4-BE49-F238E27FC236}">
-                <a16:creationId xmlns:a16="http://schemas.microsoft.com/office/drawing/2014/main" id="{9682577A-58FF-43CE-A75F-F3339DCCB660}"/>
-              </a:ext>
-            </a:extLst>
-          </p:cNvPr>
-          <p:cNvCxnSpPr>
-            <a:cxnSpLocks/>
-          </p:cNvCxnSpPr>
-          <p:nvPr/>
-        </p:nvCxnSpPr>
-        <p:spPr>
-          <a:xfrm>
-            <a:off x="5128591" y="1908313"/>
-            <a:ext cx="0" cy="4210878"/>
-          </a:xfrm>
-          <a:prstGeom prst="line">
-            <a:avLst/>
-          </a:prstGeom>
-          <a:ln w="12700" cap="flat" cmpd="sng" algn="ctr">
+            <a:ln>
+              <a:solidFill>
+                <a:schemeClr val="tx1"/>
+              </a:solidFill>
+            </a:ln>
+          </p:spPr>
+          <p:style>
+            <a:lnRef idx="2">
+              <a:schemeClr val="accent1">
+                <a:shade val="50000"/>
+              </a:schemeClr>
+            </a:lnRef>
+            <a:fillRef idx="1">
+              <a:schemeClr val="accent1"/>
+            </a:fillRef>
+            <a:effectRef idx="0">
+              <a:schemeClr val="accent1"/>
+            </a:effectRef>
+            <a:fontRef idx="minor">
+              <a:schemeClr val="lt1"/>
+            </a:fontRef>
+          </p:style>
+          <p:txBody>
+            <a:bodyPr rtlCol="0" anchor="ctr"/>
+            <a:lstStyle/>
+            <a:p>
+              <a:pPr algn="ctr"/>
+              <a:endParaRPr lang="pt-BR"/>
+            </a:p>
+          </p:txBody>
+        </p:sp>
+        <p:sp>
+          <p:nvSpPr>
+            <p:cNvPr id="44" name="Fluxograma: Conector 43">
+              <a:extLst>
+                <a:ext uri="{FF2B5EF4-FFF2-40B4-BE49-F238E27FC236}">
+                  <a16:creationId xmlns:a16="http://schemas.microsoft.com/office/drawing/2014/main" id="{8FC1181A-AACA-4C17-8EB4-3BEEFCF26C54}"/>
+                </a:ext>
+              </a:extLst>
+            </p:cNvPr>
+            <p:cNvSpPr/>
+            <p:nvPr/>
+          </p:nvSpPr>
+          <p:spPr>
+            <a:xfrm>
+              <a:off x="8196468" y="3583920"/>
+              <a:ext cx="185533" cy="176240"/>
+            </a:xfrm>
+            <a:prstGeom prst="flowChartConnector">
+              <a:avLst/>
+            </a:prstGeom>
             <a:solidFill>
               <a:srgbClr val="11BD5D"/>
             </a:solidFill>
-            <a:prstDash val="dash"/>
-            <a:round/>
-            <a:headEnd type="none" w="med" len="med"/>
-            <a:tailEnd type="none" w="med" len="med"/>
-          </a:ln>
-        </p:spPr>
-        <p:style>
-          <a:lnRef idx="0">
-            <a:scrgbClr r="0" g="0" b="0"/>
-          </a:lnRef>
-          <a:fillRef idx="0">
-            <a:scrgbClr r="0" g="0" b="0"/>
-          </a:fillRef>
-          <a:effectRef idx="0">
-            <a:scrgbClr r="0" g="0" b="0"/>
-          </a:effectRef>
-          <a:fontRef idx="minor">
-            <a:schemeClr val="tx1"/>
-          </a:fontRef>
-        </p:style>
-      </p:cxnSp>
-      <p:cxnSp>
-        <p:nvCxnSpPr>
-          <p:cNvPr id="11" name="Conector reto 10">
-            <a:extLst>
-              <a:ext uri="{FF2B5EF4-FFF2-40B4-BE49-F238E27FC236}">
-                <a16:creationId xmlns:a16="http://schemas.microsoft.com/office/drawing/2014/main" id="{AE3F284C-DBDF-4B4B-82C0-4D745644FEEF}"/>
-              </a:ext>
-            </a:extLst>
-          </p:cNvPr>
-          <p:cNvCxnSpPr>
-            <a:cxnSpLocks/>
-          </p:cNvCxnSpPr>
-          <p:nvPr/>
-        </p:nvCxnSpPr>
-        <p:spPr>
-          <a:xfrm>
-            <a:off x="6745357" y="1908313"/>
-            <a:ext cx="0" cy="4210878"/>
-          </a:xfrm>
-          <a:prstGeom prst="line">
-            <a:avLst/>
-          </a:prstGeom>
-          <a:ln w="12700" cap="flat" cmpd="sng" algn="ctr">
+            <a:ln>
+              <a:solidFill>
+                <a:schemeClr val="tx1"/>
+              </a:solidFill>
+            </a:ln>
+          </p:spPr>
+          <p:style>
+            <a:lnRef idx="2">
+              <a:schemeClr val="accent1">
+                <a:shade val="50000"/>
+              </a:schemeClr>
+            </a:lnRef>
+            <a:fillRef idx="1">
+              <a:schemeClr val="accent1"/>
+            </a:fillRef>
+            <a:effectRef idx="0">
+              <a:schemeClr val="accent1"/>
+            </a:effectRef>
+            <a:fontRef idx="minor">
+              <a:schemeClr val="lt1"/>
+            </a:fontRef>
+          </p:style>
+          <p:txBody>
+            <a:bodyPr rtlCol="0" anchor="ctr"/>
+            <a:lstStyle/>
+            <a:p>
+              <a:pPr algn="ctr"/>
+              <a:endParaRPr lang="pt-BR"/>
+            </a:p>
+          </p:txBody>
+        </p:sp>
+        <p:sp>
+          <p:nvSpPr>
+            <p:cNvPr id="45" name="Fluxograma: Conector 44">
+              <a:extLst>
+                <a:ext uri="{FF2B5EF4-FFF2-40B4-BE49-F238E27FC236}">
+                  <a16:creationId xmlns:a16="http://schemas.microsoft.com/office/drawing/2014/main" id="{993201F8-219C-4A95-AA9D-805A87802467}"/>
+                </a:ext>
+              </a:extLst>
+            </p:cNvPr>
+            <p:cNvSpPr/>
+            <p:nvPr/>
+          </p:nvSpPr>
+          <p:spPr>
+            <a:xfrm>
+              <a:off x="9611134" y="4412110"/>
+              <a:ext cx="185533" cy="176240"/>
+            </a:xfrm>
+            <a:prstGeom prst="flowChartConnector">
+              <a:avLst/>
+            </a:prstGeom>
             <a:solidFill>
               <a:srgbClr val="11BD5D"/>
             </a:solidFill>
-            <a:prstDash val="dash"/>
-            <a:round/>
-            <a:headEnd type="none" w="med" len="med"/>
-            <a:tailEnd type="none" w="med" len="med"/>
-          </a:ln>
-        </p:spPr>
-        <p:style>
-          <a:lnRef idx="0">
-            <a:scrgbClr r="0" g="0" b="0"/>
-          </a:lnRef>
-          <a:fillRef idx="0">
-            <a:scrgbClr r="0" g="0" b="0"/>
-          </a:fillRef>
-          <a:effectRef idx="0">
-            <a:scrgbClr r="0" g="0" b="0"/>
-          </a:effectRef>
-          <a:fontRef idx="minor">
-            <a:schemeClr val="tx1"/>
-          </a:fontRef>
-        </p:style>
-      </p:cxnSp>
-      <p:cxnSp>
-        <p:nvCxnSpPr>
-          <p:cNvPr id="12" name="Conector reto 11">
-            <a:extLst>
-              <a:ext uri="{FF2B5EF4-FFF2-40B4-BE49-F238E27FC236}">
-                <a16:creationId xmlns:a16="http://schemas.microsoft.com/office/drawing/2014/main" id="{21A9735E-61C9-4C85-8F74-B5182192656F}"/>
-              </a:ext>
-            </a:extLst>
-          </p:cNvPr>
-          <p:cNvCxnSpPr>
-            <a:cxnSpLocks/>
-          </p:cNvCxnSpPr>
-          <p:nvPr/>
-        </p:nvCxnSpPr>
-        <p:spPr>
-          <a:xfrm>
-            <a:off x="8289235" y="1908313"/>
-            <a:ext cx="0" cy="4210878"/>
-          </a:xfrm>
-          <a:prstGeom prst="line">
-            <a:avLst/>
-          </a:prstGeom>
-          <a:ln w="12700" cap="flat" cmpd="sng" algn="ctr">
+            <a:ln>
+              <a:solidFill>
+                <a:schemeClr val="tx1"/>
+              </a:solidFill>
+            </a:ln>
+          </p:spPr>
+          <p:style>
+            <a:lnRef idx="2">
+              <a:schemeClr val="accent1">
+                <a:shade val="50000"/>
+              </a:schemeClr>
+            </a:lnRef>
+            <a:fillRef idx="1">
+              <a:schemeClr val="accent1"/>
+            </a:fillRef>
+            <a:effectRef idx="0">
+              <a:schemeClr val="accent1"/>
+            </a:effectRef>
+            <a:fontRef idx="minor">
+              <a:schemeClr val="lt1"/>
+            </a:fontRef>
+          </p:style>
+          <p:txBody>
+            <a:bodyPr rtlCol="0" anchor="ctr"/>
+            <a:lstStyle/>
+            <a:p>
+              <a:pPr algn="ctr"/>
+              <a:endParaRPr lang="pt-BR"/>
+            </a:p>
+          </p:txBody>
+        </p:sp>
+        <p:sp>
+          <p:nvSpPr>
+            <p:cNvPr id="35" name="Fluxograma: Conector 34">
+              <a:extLst>
+                <a:ext uri="{FF2B5EF4-FFF2-40B4-BE49-F238E27FC236}">
+                  <a16:creationId xmlns:a16="http://schemas.microsoft.com/office/drawing/2014/main" id="{DBA86ECB-16E2-427E-BA3A-DD19B6C4393C}"/>
+                </a:ext>
+              </a:extLst>
+            </p:cNvPr>
+            <p:cNvSpPr/>
+            <p:nvPr/>
+          </p:nvSpPr>
+          <p:spPr>
+            <a:xfrm>
+              <a:off x="3525070" y="4580264"/>
+              <a:ext cx="185533" cy="176240"/>
+            </a:xfrm>
+            <a:prstGeom prst="flowChartConnector">
+              <a:avLst/>
+            </a:prstGeom>
             <a:solidFill>
               <a:srgbClr val="11BD5D"/>
             </a:solidFill>
-            <a:prstDash val="dash"/>
-            <a:round/>
-            <a:headEnd type="none" w="med" len="med"/>
-            <a:tailEnd type="none" w="med" len="med"/>
-          </a:ln>
-        </p:spPr>
-        <p:style>
-          <a:lnRef idx="0">
-            <a:scrgbClr r="0" g="0" b="0"/>
-          </a:lnRef>
-          <a:fillRef idx="0">
-            <a:scrgbClr r="0" g="0" b="0"/>
-          </a:fillRef>
-          <a:effectRef idx="0">
-            <a:scrgbClr r="0" g="0" b="0"/>
-          </a:effectRef>
-          <a:fontRef idx="minor">
-            <a:schemeClr val="tx1"/>
-          </a:fontRef>
-        </p:style>
-      </p:cxnSp>
-      <p:cxnSp>
-        <p:nvCxnSpPr>
-          <p:cNvPr id="13" name="Conector reto 12">
-            <a:extLst>
-              <a:ext uri="{FF2B5EF4-FFF2-40B4-BE49-F238E27FC236}">
-                <a16:creationId xmlns:a16="http://schemas.microsoft.com/office/drawing/2014/main" id="{0381E3FF-4B02-40E5-82DF-CD373EE73553}"/>
-              </a:ext>
-            </a:extLst>
-          </p:cNvPr>
-          <p:cNvCxnSpPr>
-            <a:cxnSpLocks/>
-          </p:cNvCxnSpPr>
-          <p:nvPr/>
-        </p:nvCxnSpPr>
-        <p:spPr>
-          <a:xfrm>
-            <a:off x="9707217" y="1908313"/>
-            <a:ext cx="0" cy="4210878"/>
-          </a:xfrm>
-          <a:prstGeom prst="line">
-            <a:avLst/>
-          </a:prstGeom>
-          <a:ln w="12700" cap="flat" cmpd="sng" algn="ctr">
-            <a:solidFill>
-              <a:srgbClr val="11BD5D"/>
-            </a:solidFill>
-            <a:prstDash val="dash"/>
-            <a:round/>
-            <a:headEnd type="none" w="med" len="med"/>
-            <a:tailEnd type="none" w="med" len="med"/>
-          </a:ln>
-        </p:spPr>
-        <p:style>
-          <a:lnRef idx="0">
-            <a:scrgbClr r="0" g="0" b="0"/>
-          </a:lnRef>
-          <a:fillRef idx="0">
-            <a:scrgbClr r="0" g="0" b="0"/>
-          </a:fillRef>
-          <a:effectRef idx="0">
-            <a:scrgbClr r="0" g="0" b="0"/>
-          </a:effectRef>
-          <a:fontRef idx="minor">
-            <a:schemeClr val="tx1"/>
-          </a:fontRef>
-        </p:style>
-      </p:cxnSp>
-      <p:sp>
-        <p:nvSpPr>
-          <p:cNvPr id="14" name="CaixaDeTexto 13">
-            <a:extLst>
-              <a:ext uri="{FF2B5EF4-FFF2-40B4-BE49-F238E27FC236}">
-                <a16:creationId xmlns:a16="http://schemas.microsoft.com/office/drawing/2014/main" id="{C6D275D9-BC31-4716-941A-E23181C1EE33}"/>
-              </a:ext>
-            </a:extLst>
-          </p:cNvPr>
-          <p:cNvSpPr txBox="1"/>
-          <p:nvPr/>
-        </p:nvSpPr>
-        <p:spPr>
-          <a:xfrm>
-            <a:off x="1205949" y="1384851"/>
-            <a:ext cx="1643270" cy="371061"/>
-          </a:xfrm>
-          <a:prstGeom prst="rect">
-            <a:avLst/>
-          </a:prstGeom>
-          <a:noFill/>
-        </p:spPr>
-        <p:txBody>
-          <a:bodyPr wrap="square" rtlCol="0">
-            <a:spAutoFit/>
-          </a:bodyPr>
-          <a:lstStyle/>
-          <a:p>
-            <a:pPr algn="ctr"/>
-            <a:r>
-              <a:rPr lang="pt-BR" dirty="0"/>
-              <a:t>Semana 1</a:t>
-            </a:r>
-          </a:p>
-        </p:txBody>
-      </p:sp>
-      <p:sp>
-        <p:nvSpPr>
-          <p:cNvPr id="16" name="CaixaDeTexto 15">
-            <a:extLst>
-              <a:ext uri="{FF2B5EF4-FFF2-40B4-BE49-F238E27FC236}">
-                <a16:creationId xmlns:a16="http://schemas.microsoft.com/office/drawing/2014/main" id="{25B0DCF6-ACC4-4A1E-989C-45FBA84486CE}"/>
-              </a:ext>
-            </a:extLst>
-          </p:cNvPr>
-          <p:cNvSpPr txBox="1"/>
-          <p:nvPr/>
-        </p:nvSpPr>
-        <p:spPr>
-          <a:xfrm>
-            <a:off x="2789583" y="1364971"/>
-            <a:ext cx="1643270" cy="371061"/>
-          </a:xfrm>
-          <a:prstGeom prst="rect">
-            <a:avLst/>
-          </a:prstGeom>
-          <a:noFill/>
-        </p:spPr>
-        <p:txBody>
-          <a:bodyPr wrap="square" rtlCol="0">
-            <a:spAutoFit/>
-          </a:bodyPr>
-          <a:lstStyle/>
-          <a:p>
-            <a:pPr algn="ctr"/>
-            <a:r>
-              <a:rPr lang="pt-BR" dirty="0"/>
-              <a:t>Semana 2</a:t>
-            </a:r>
-          </a:p>
-        </p:txBody>
-      </p:sp>
-      <p:sp>
-        <p:nvSpPr>
-          <p:cNvPr id="17" name="CaixaDeTexto 16">
-            <a:extLst>
-              <a:ext uri="{FF2B5EF4-FFF2-40B4-BE49-F238E27FC236}">
-                <a16:creationId xmlns:a16="http://schemas.microsoft.com/office/drawing/2014/main" id="{218AE6B1-7DA4-4732-B3AE-E08316D45758}"/>
-              </a:ext>
-            </a:extLst>
-          </p:cNvPr>
-          <p:cNvSpPr txBox="1"/>
-          <p:nvPr/>
-        </p:nvSpPr>
-        <p:spPr>
-          <a:xfrm>
-            <a:off x="4313581" y="1364971"/>
-            <a:ext cx="1643270" cy="371061"/>
-          </a:xfrm>
-          <a:prstGeom prst="rect">
-            <a:avLst/>
-          </a:prstGeom>
-          <a:noFill/>
-        </p:spPr>
-        <p:txBody>
-          <a:bodyPr wrap="square" rtlCol="0">
-            <a:spAutoFit/>
-          </a:bodyPr>
-          <a:lstStyle/>
-          <a:p>
-            <a:pPr algn="ctr"/>
-            <a:r>
-              <a:rPr lang="pt-BR" dirty="0"/>
-              <a:t>Semana 3</a:t>
-            </a:r>
-          </a:p>
-        </p:txBody>
-      </p:sp>
-      <p:sp>
-        <p:nvSpPr>
-          <p:cNvPr id="18" name="CaixaDeTexto 17">
-            <a:extLst>
-              <a:ext uri="{FF2B5EF4-FFF2-40B4-BE49-F238E27FC236}">
-                <a16:creationId xmlns:a16="http://schemas.microsoft.com/office/drawing/2014/main" id="{09280F82-8240-473B-93F1-D556363DD18C}"/>
-              </a:ext>
-            </a:extLst>
-          </p:cNvPr>
-          <p:cNvSpPr txBox="1"/>
-          <p:nvPr/>
-        </p:nvSpPr>
-        <p:spPr>
-          <a:xfrm>
-            <a:off x="5811075" y="1364970"/>
-            <a:ext cx="1643270" cy="371061"/>
-          </a:xfrm>
-          <a:prstGeom prst="rect">
-            <a:avLst/>
-          </a:prstGeom>
-          <a:noFill/>
-        </p:spPr>
-        <p:txBody>
-          <a:bodyPr wrap="square" rtlCol="0">
-            <a:spAutoFit/>
-          </a:bodyPr>
-          <a:lstStyle/>
-          <a:p>
-            <a:pPr algn="ctr"/>
-            <a:r>
-              <a:rPr lang="pt-BR" dirty="0"/>
-              <a:t>Semana 4</a:t>
-            </a:r>
-          </a:p>
-        </p:txBody>
-      </p:sp>
-      <p:sp>
-        <p:nvSpPr>
-          <p:cNvPr id="19" name="CaixaDeTexto 18">
-            <a:extLst>
-              <a:ext uri="{FF2B5EF4-FFF2-40B4-BE49-F238E27FC236}">
-                <a16:creationId xmlns:a16="http://schemas.microsoft.com/office/drawing/2014/main" id="{FCF7288E-568A-4852-AB43-C8BC64E7BE78}"/>
-              </a:ext>
-            </a:extLst>
-          </p:cNvPr>
-          <p:cNvSpPr txBox="1"/>
-          <p:nvPr/>
-        </p:nvSpPr>
-        <p:spPr>
-          <a:xfrm>
-            <a:off x="7394709" y="1351714"/>
-            <a:ext cx="1643270" cy="371061"/>
-          </a:xfrm>
-          <a:prstGeom prst="rect">
-            <a:avLst/>
-          </a:prstGeom>
-          <a:noFill/>
-        </p:spPr>
-        <p:txBody>
-          <a:bodyPr wrap="square" rtlCol="0">
-            <a:spAutoFit/>
-          </a:bodyPr>
-          <a:lstStyle/>
-          <a:p>
-            <a:pPr algn="ctr"/>
-            <a:r>
-              <a:rPr lang="pt-BR" dirty="0"/>
-              <a:t>Semana 5</a:t>
-            </a:r>
-          </a:p>
-        </p:txBody>
-      </p:sp>
-      <p:sp>
-        <p:nvSpPr>
-          <p:cNvPr id="20" name="CaixaDeTexto 19">
-            <a:extLst>
-              <a:ext uri="{FF2B5EF4-FFF2-40B4-BE49-F238E27FC236}">
-                <a16:creationId xmlns:a16="http://schemas.microsoft.com/office/drawing/2014/main" id="{4089F031-C0F7-43B5-AA56-0A378C0F1925}"/>
-              </a:ext>
-            </a:extLst>
-          </p:cNvPr>
-          <p:cNvSpPr txBox="1"/>
-          <p:nvPr/>
-        </p:nvSpPr>
-        <p:spPr>
-          <a:xfrm>
-            <a:off x="8885582" y="1338458"/>
-            <a:ext cx="1643270" cy="371061"/>
-          </a:xfrm>
-          <a:prstGeom prst="rect">
-            <a:avLst/>
-          </a:prstGeom>
-          <a:noFill/>
-        </p:spPr>
-        <p:txBody>
-          <a:bodyPr wrap="square" rtlCol="0">
-            <a:spAutoFit/>
-          </a:bodyPr>
-          <a:lstStyle/>
-          <a:p>
-            <a:pPr algn="ctr"/>
-            <a:r>
-              <a:rPr lang="pt-BR" dirty="0"/>
-              <a:t>Semana 6</a:t>
-            </a:r>
-          </a:p>
-        </p:txBody>
-      </p:sp>
-      <p:sp>
-        <p:nvSpPr>
-          <p:cNvPr id="21" name="CaixaDeTexto 20">
-            <a:extLst>
-              <a:ext uri="{FF2B5EF4-FFF2-40B4-BE49-F238E27FC236}">
-                <a16:creationId xmlns:a16="http://schemas.microsoft.com/office/drawing/2014/main" id="{6CEC42C2-3F8D-44F5-9A4A-D404FB21BE84}"/>
-              </a:ext>
-            </a:extLst>
-          </p:cNvPr>
-          <p:cNvSpPr txBox="1"/>
-          <p:nvPr/>
-        </p:nvSpPr>
-        <p:spPr>
-          <a:xfrm>
-            <a:off x="1315280" y="2752491"/>
-            <a:ext cx="1550499" cy="923330"/>
-          </a:xfrm>
-          <a:prstGeom prst="rect">
-            <a:avLst/>
-          </a:prstGeom>
-          <a:noFill/>
-        </p:spPr>
-        <p:txBody>
-          <a:bodyPr wrap="square" rtlCol="0">
-            <a:spAutoFit/>
-          </a:bodyPr>
-          <a:lstStyle/>
-          <a:p>
-            <a:pPr algn="ctr"/>
-            <a:r>
-              <a:rPr lang="pt-BR" b="1" dirty="0" err="1"/>
-              <a:t>Kickoff</a:t>
-            </a:r>
-            <a:r>
-              <a:rPr lang="pt-BR" b="1" dirty="0"/>
-              <a:t> SP3 Apresentação do projeto   </a:t>
-            </a:r>
-          </a:p>
-        </p:txBody>
-      </p:sp>
-      <p:sp>
-        <p:nvSpPr>
-          <p:cNvPr id="25" name="CaixaDeTexto 24">
-            <a:extLst>
-              <a:ext uri="{FF2B5EF4-FFF2-40B4-BE49-F238E27FC236}">
-                <a16:creationId xmlns:a16="http://schemas.microsoft.com/office/drawing/2014/main" id="{D6A7E4EC-53F2-4C43-BD1A-60B5CB04021D}"/>
-              </a:ext>
-            </a:extLst>
-          </p:cNvPr>
-          <p:cNvSpPr txBox="1"/>
-          <p:nvPr/>
-        </p:nvSpPr>
-        <p:spPr>
-          <a:xfrm>
-            <a:off x="2869100" y="2685599"/>
-            <a:ext cx="1550499" cy="923330"/>
-          </a:xfrm>
-          <a:prstGeom prst="rect">
-            <a:avLst/>
-          </a:prstGeom>
-          <a:noFill/>
-        </p:spPr>
-        <p:txBody>
-          <a:bodyPr wrap="square" rtlCol="0">
-            <a:spAutoFit/>
-          </a:bodyPr>
-          <a:lstStyle/>
-          <a:p>
-            <a:pPr algn="ctr"/>
-            <a:r>
-              <a:rPr lang="pt-BR" b="1" dirty="0"/>
-              <a:t>Tela de Dashboard responsiva</a:t>
-            </a:r>
-          </a:p>
-        </p:txBody>
-      </p:sp>
-      <p:cxnSp>
-        <p:nvCxnSpPr>
-          <p:cNvPr id="27" name="Conector de Seta Reta 26">
-            <a:extLst>
-              <a:ext uri="{FF2B5EF4-FFF2-40B4-BE49-F238E27FC236}">
-                <a16:creationId xmlns:a16="http://schemas.microsoft.com/office/drawing/2014/main" id="{EEAA07AF-AFD8-45EC-99E5-2E3D2146CC61}"/>
-              </a:ext>
-            </a:extLst>
-          </p:cNvPr>
-          <p:cNvCxnSpPr/>
-          <p:nvPr/>
-        </p:nvCxnSpPr>
-        <p:spPr>
-          <a:xfrm>
-            <a:off x="3611218" y="4055165"/>
-            <a:ext cx="1517373" cy="0"/>
-          </a:xfrm>
-          <a:prstGeom prst="straightConnector1">
-            <a:avLst/>
-          </a:prstGeom>
-          <a:ln>
-            <a:solidFill>
-              <a:srgbClr val="11BD5D"/>
-            </a:solidFill>
-            <a:tailEnd type="triangle"/>
-          </a:ln>
-        </p:spPr>
-        <p:style>
-          <a:lnRef idx="1">
-            <a:schemeClr val="dk1"/>
-          </a:lnRef>
-          <a:fillRef idx="0">
-            <a:schemeClr val="dk1"/>
-          </a:fillRef>
-          <a:effectRef idx="0">
-            <a:schemeClr val="dk1"/>
-          </a:effectRef>
-          <a:fontRef idx="minor">
-            <a:schemeClr val="tx1"/>
-          </a:fontRef>
-        </p:style>
-      </p:cxnSp>
-      <p:sp>
-        <p:nvSpPr>
-          <p:cNvPr id="28" name="CaixaDeTexto 27">
-            <a:extLst>
-              <a:ext uri="{FF2B5EF4-FFF2-40B4-BE49-F238E27FC236}">
-                <a16:creationId xmlns:a16="http://schemas.microsoft.com/office/drawing/2014/main" id="{CDD48B42-32A6-4654-ACB6-6CEA09BD6F31}"/>
-              </a:ext>
-            </a:extLst>
-          </p:cNvPr>
-          <p:cNvSpPr txBox="1"/>
-          <p:nvPr/>
-        </p:nvSpPr>
-        <p:spPr>
-          <a:xfrm>
-            <a:off x="3624461" y="4045175"/>
-            <a:ext cx="1550499" cy="646331"/>
-          </a:xfrm>
-          <a:prstGeom prst="rect">
-            <a:avLst/>
-          </a:prstGeom>
-          <a:noFill/>
-        </p:spPr>
-        <p:txBody>
-          <a:bodyPr wrap="square" rtlCol="0">
-            <a:spAutoFit/>
-          </a:bodyPr>
-          <a:lstStyle/>
-          <a:p>
-            <a:pPr algn="ctr"/>
-            <a:r>
-              <a:rPr lang="pt-BR" b="1" dirty="0" err="1"/>
-              <a:t>Backend</a:t>
-            </a:r>
-            <a:r>
-              <a:rPr lang="pt-BR" b="1" dirty="0"/>
-              <a:t> do Dashboard</a:t>
-            </a:r>
-          </a:p>
-        </p:txBody>
-      </p:sp>
-      <p:cxnSp>
-        <p:nvCxnSpPr>
-          <p:cNvPr id="29" name="Conector de Seta Reta 28">
-            <a:extLst>
-              <a:ext uri="{FF2B5EF4-FFF2-40B4-BE49-F238E27FC236}">
-                <a16:creationId xmlns:a16="http://schemas.microsoft.com/office/drawing/2014/main" id="{73030DD3-AF2F-4634-8F67-EB25E0F85F51}"/>
-              </a:ext>
-            </a:extLst>
-          </p:cNvPr>
-          <p:cNvCxnSpPr/>
-          <p:nvPr/>
-        </p:nvCxnSpPr>
-        <p:spPr>
-          <a:xfrm>
-            <a:off x="5184912" y="3581400"/>
-            <a:ext cx="1517373" cy="0"/>
-          </a:xfrm>
-          <a:prstGeom prst="straightConnector1">
-            <a:avLst/>
-          </a:prstGeom>
-          <a:ln>
-            <a:solidFill>
-              <a:srgbClr val="11BD5D"/>
-            </a:solidFill>
-            <a:tailEnd type="triangle"/>
-          </a:ln>
-        </p:spPr>
-        <p:style>
-          <a:lnRef idx="1">
-            <a:schemeClr val="dk1"/>
-          </a:lnRef>
-          <a:fillRef idx="0">
-            <a:schemeClr val="dk1"/>
-          </a:fillRef>
-          <a:effectRef idx="0">
-            <a:schemeClr val="dk1"/>
-          </a:effectRef>
-          <a:fontRef idx="minor">
-            <a:schemeClr val="tx1"/>
-          </a:fontRef>
-        </p:style>
-      </p:cxnSp>
-      <p:sp>
-        <p:nvSpPr>
-          <p:cNvPr id="31" name="CaixaDeTexto 30">
-            <a:extLst>
-              <a:ext uri="{FF2B5EF4-FFF2-40B4-BE49-F238E27FC236}">
-                <a16:creationId xmlns:a16="http://schemas.microsoft.com/office/drawing/2014/main" id="{8C20225C-D380-453F-8638-7C7BF301E47E}"/>
-              </a:ext>
-            </a:extLst>
-          </p:cNvPr>
-          <p:cNvSpPr txBox="1"/>
-          <p:nvPr/>
-        </p:nvSpPr>
-        <p:spPr>
-          <a:xfrm>
-            <a:off x="5155099" y="3601384"/>
-            <a:ext cx="1550499" cy="923330"/>
-          </a:xfrm>
-          <a:prstGeom prst="rect">
-            <a:avLst/>
-          </a:prstGeom>
-          <a:noFill/>
-        </p:spPr>
-        <p:txBody>
-          <a:bodyPr wrap="square" rtlCol="0">
-            <a:spAutoFit/>
-          </a:bodyPr>
-          <a:lstStyle/>
-          <a:p>
-            <a:pPr algn="ctr"/>
-            <a:r>
-              <a:rPr lang="pt-BR" b="1" dirty="0"/>
-              <a:t>Integração do front com o </a:t>
-            </a:r>
-            <a:r>
-              <a:rPr lang="pt-BR" b="1" dirty="0" err="1"/>
-              <a:t>backend</a:t>
-            </a:r>
-            <a:endParaRPr lang="pt-BR" b="1" dirty="0"/>
-          </a:p>
-        </p:txBody>
-      </p:sp>
-      <p:cxnSp>
-        <p:nvCxnSpPr>
-          <p:cNvPr id="34" name="Conector de Seta Reta 33">
-            <a:extLst>
-              <a:ext uri="{FF2B5EF4-FFF2-40B4-BE49-F238E27FC236}">
-                <a16:creationId xmlns:a16="http://schemas.microsoft.com/office/drawing/2014/main" id="{5195A0AA-610E-42D3-A666-206A3E1371E1}"/>
-              </a:ext>
-            </a:extLst>
-          </p:cNvPr>
-          <p:cNvCxnSpPr/>
-          <p:nvPr/>
-        </p:nvCxnSpPr>
-        <p:spPr>
-          <a:xfrm>
-            <a:off x="6771862" y="3887200"/>
-            <a:ext cx="1517373" cy="0"/>
-          </a:xfrm>
-          <a:prstGeom prst="straightConnector1">
-            <a:avLst/>
-          </a:prstGeom>
-          <a:ln>
-            <a:solidFill>
-              <a:srgbClr val="11BD5D"/>
-            </a:solidFill>
-            <a:tailEnd type="triangle"/>
-          </a:ln>
-        </p:spPr>
-        <p:style>
-          <a:lnRef idx="1">
-            <a:schemeClr val="dk1"/>
-          </a:lnRef>
-          <a:fillRef idx="0">
-            <a:schemeClr val="dk1"/>
-          </a:fillRef>
-          <a:effectRef idx="0">
-            <a:schemeClr val="dk1"/>
-          </a:effectRef>
-          <a:fontRef idx="minor">
-            <a:schemeClr val="tx1"/>
-          </a:fontRef>
-        </p:style>
-      </p:cxnSp>
-      <p:sp>
-        <p:nvSpPr>
-          <p:cNvPr id="30" name="CaixaDeTexto 29">
-            <a:extLst>
-              <a:ext uri="{FF2B5EF4-FFF2-40B4-BE49-F238E27FC236}">
-                <a16:creationId xmlns:a16="http://schemas.microsoft.com/office/drawing/2014/main" id="{C207FDF6-06BD-4395-A5ED-55B71F75AE0E}"/>
-              </a:ext>
-            </a:extLst>
-          </p:cNvPr>
-          <p:cNvSpPr txBox="1"/>
-          <p:nvPr/>
-        </p:nvSpPr>
-        <p:spPr>
-          <a:xfrm>
-            <a:off x="6755298" y="3887200"/>
-            <a:ext cx="1550499" cy="646331"/>
-          </a:xfrm>
-          <a:prstGeom prst="rect">
-            <a:avLst/>
-          </a:prstGeom>
-          <a:noFill/>
-        </p:spPr>
-        <p:txBody>
-          <a:bodyPr wrap="square" rtlCol="0">
-            <a:spAutoFit/>
-          </a:bodyPr>
-          <a:lstStyle/>
-          <a:p>
-            <a:pPr algn="ctr"/>
-            <a:r>
-              <a:rPr lang="pt-BR" b="1" dirty="0"/>
-              <a:t>Testar aplicação</a:t>
-            </a:r>
-          </a:p>
-        </p:txBody>
-      </p:sp>
-      <p:sp>
-        <p:nvSpPr>
-          <p:cNvPr id="36" name="CaixaDeTexto 35">
-            <a:extLst>
-              <a:ext uri="{FF2B5EF4-FFF2-40B4-BE49-F238E27FC236}">
-                <a16:creationId xmlns:a16="http://schemas.microsoft.com/office/drawing/2014/main" id="{3D12CF67-A6DB-4B96-9282-BF51FF6B4705}"/>
-              </a:ext>
-            </a:extLst>
-          </p:cNvPr>
-          <p:cNvSpPr txBox="1"/>
-          <p:nvPr/>
-        </p:nvSpPr>
-        <p:spPr>
-          <a:xfrm>
-            <a:off x="2017659" y="4823396"/>
-            <a:ext cx="1550499" cy="923330"/>
-          </a:xfrm>
-          <a:prstGeom prst="rect">
-            <a:avLst/>
-          </a:prstGeom>
-          <a:noFill/>
-        </p:spPr>
-        <p:txBody>
-          <a:bodyPr wrap="square" rtlCol="0">
-            <a:spAutoFit/>
-          </a:bodyPr>
-          <a:lstStyle/>
-          <a:p>
-            <a:pPr algn="ctr"/>
-            <a:r>
-              <a:rPr lang="pt-BR" b="1" dirty="0"/>
-              <a:t>Relacionamento das classes no </a:t>
-            </a:r>
-            <a:r>
-              <a:rPr lang="pt-BR" b="1" dirty="0" err="1"/>
-              <a:t>backend</a:t>
-            </a:r>
-            <a:endParaRPr lang="pt-BR" b="1" dirty="0"/>
-          </a:p>
-        </p:txBody>
-      </p:sp>
-      <p:cxnSp>
-        <p:nvCxnSpPr>
-          <p:cNvPr id="37" name="Conector de Seta Reta 36">
-            <a:extLst>
-              <a:ext uri="{FF2B5EF4-FFF2-40B4-BE49-F238E27FC236}">
-                <a16:creationId xmlns:a16="http://schemas.microsoft.com/office/drawing/2014/main" id="{EEE8D56B-26C7-416B-A35E-61F254A15657}"/>
-              </a:ext>
-            </a:extLst>
-          </p:cNvPr>
-          <p:cNvCxnSpPr/>
-          <p:nvPr/>
-        </p:nvCxnSpPr>
-        <p:spPr>
-          <a:xfrm>
-            <a:off x="2067344" y="4823396"/>
-            <a:ext cx="1517373" cy="0"/>
-          </a:xfrm>
-          <a:prstGeom prst="straightConnector1">
-            <a:avLst/>
-          </a:prstGeom>
-          <a:ln>
-            <a:solidFill>
-              <a:srgbClr val="11BD5D"/>
-            </a:solidFill>
-            <a:tailEnd type="triangle"/>
-          </a:ln>
-        </p:spPr>
-        <p:style>
-          <a:lnRef idx="1">
-            <a:schemeClr val="dk1"/>
-          </a:lnRef>
-          <a:fillRef idx="0">
-            <a:schemeClr val="dk1"/>
-          </a:fillRef>
-          <a:effectRef idx="0">
-            <a:schemeClr val="dk1"/>
-          </a:effectRef>
-          <a:fontRef idx="minor">
-            <a:schemeClr val="tx1"/>
-          </a:fontRef>
-        </p:style>
-      </p:cxnSp>
-      <p:sp>
-        <p:nvSpPr>
-          <p:cNvPr id="39" name="CaixaDeTexto 38">
-            <a:extLst>
-              <a:ext uri="{FF2B5EF4-FFF2-40B4-BE49-F238E27FC236}">
-                <a16:creationId xmlns:a16="http://schemas.microsoft.com/office/drawing/2014/main" id="{12BC3B8A-CF30-4E3C-BD03-D03981945ED4}"/>
-              </a:ext>
-            </a:extLst>
-          </p:cNvPr>
-          <p:cNvSpPr txBox="1"/>
-          <p:nvPr/>
-        </p:nvSpPr>
-        <p:spPr>
-          <a:xfrm>
-            <a:off x="8262729" y="4500230"/>
-            <a:ext cx="1550499" cy="646331"/>
-          </a:xfrm>
-          <a:prstGeom prst="rect">
-            <a:avLst/>
-          </a:prstGeom>
-          <a:noFill/>
-        </p:spPr>
-        <p:txBody>
-          <a:bodyPr wrap="square" rtlCol="0">
-            <a:spAutoFit/>
-          </a:bodyPr>
-          <a:lstStyle/>
-          <a:p>
-            <a:pPr algn="ctr"/>
-            <a:r>
-              <a:rPr lang="pt-BR" b="1" dirty="0"/>
-              <a:t>Apresentação Sprint 3</a:t>
-            </a:r>
-          </a:p>
-        </p:txBody>
-      </p:sp>
-      <p:sp>
-        <p:nvSpPr>
-          <p:cNvPr id="5" name="Fluxograma: Conector 4">
-            <a:extLst>
-              <a:ext uri="{FF2B5EF4-FFF2-40B4-BE49-F238E27FC236}">
-                <a16:creationId xmlns:a16="http://schemas.microsoft.com/office/drawing/2014/main" id="{FA4952E2-848F-441C-A1CF-9859163E84EB}"/>
-              </a:ext>
-            </a:extLst>
-          </p:cNvPr>
-          <p:cNvSpPr/>
-          <p:nvPr/>
-        </p:nvSpPr>
-        <p:spPr>
-          <a:xfrm>
-            <a:off x="1934817" y="2490488"/>
-            <a:ext cx="185533" cy="176240"/>
-          </a:xfrm>
-          <a:prstGeom prst="flowChartConnector">
-            <a:avLst/>
-          </a:prstGeom>
-          <a:solidFill>
-            <a:srgbClr val="11BD5D"/>
-          </a:solidFill>
-          <a:ln>
-            <a:solidFill>
-              <a:schemeClr val="tx1"/>
-            </a:solidFill>
-          </a:ln>
-        </p:spPr>
-        <p:style>
-          <a:lnRef idx="2">
-            <a:schemeClr val="accent1">
-              <a:shade val="50000"/>
-            </a:schemeClr>
-          </a:lnRef>
-          <a:fillRef idx="1">
-            <a:schemeClr val="accent1"/>
-          </a:fillRef>
-          <a:effectRef idx="0">
-            <a:schemeClr val="accent1"/>
-          </a:effectRef>
-          <a:fontRef idx="minor">
-            <a:schemeClr val="lt1"/>
-          </a:fontRef>
-        </p:style>
-        <p:txBody>
-          <a:bodyPr rtlCol="0" anchor="ctr"/>
-          <a:lstStyle/>
-          <a:p>
-            <a:pPr algn="ctr"/>
-            <a:endParaRPr lang="pt-BR"/>
-          </a:p>
-        </p:txBody>
-      </p:sp>
-      <p:sp>
-        <p:nvSpPr>
-          <p:cNvPr id="41" name="Fluxograma: Conector 40">
-            <a:extLst>
-              <a:ext uri="{FF2B5EF4-FFF2-40B4-BE49-F238E27FC236}">
-                <a16:creationId xmlns:a16="http://schemas.microsoft.com/office/drawing/2014/main" id="{A42AA7B6-2E5F-40F3-A004-A7A1DFECB145}"/>
-              </a:ext>
-            </a:extLst>
-          </p:cNvPr>
-          <p:cNvSpPr/>
-          <p:nvPr/>
-        </p:nvSpPr>
-        <p:spPr>
-          <a:xfrm>
-            <a:off x="3521770" y="2490488"/>
-            <a:ext cx="185533" cy="176240"/>
-          </a:xfrm>
-          <a:prstGeom prst="flowChartConnector">
-            <a:avLst/>
-          </a:prstGeom>
-          <a:solidFill>
-            <a:srgbClr val="11BD5D"/>
-          </a:solidFill>
-          <a:ln>
-            <a:solidFill>
-              <a:schemeClr val="tx1"/>
-            </a:solidFill>
-          </a:ln>
-        </p:spPr>
-        <p:style>
-          <a:lnRef idx="2">
-            <a:schemeClr val="accent1">
-              <a:shade val="50000"/>
-            </a:schemeClr>
-          </a:lnRef>
-          <a:fillRef idx="1">
-            <a:schemeClr val="accent1"/>
-          </a:fillRef>
-          <a:effectRef idx="0">
-            <a:schemeClr val="accent1"/>
-          </a:effectRef>
-          <a:fontRef idx="minor">
-            <a:schemeClr val="lt1"/>
-          </a:fontRef>
-        </p:style>
-        <p:txBody>
-          <a:bodyPr rtlCol="0" anchor="ctr"/>
-          <a:lstStyle/>
-          <a:p>
-            <a:pPr algn="ctr"/>
-            <a:endParaRPr lang="pt-BR"/>
-          </a:p>
-        </p:txBody>
-      </p:sp>
-      <p:sp>
-        <p:nvSpPr>
-          <p:cNvPr id="42" name="Fluxograma: Conector 41">
-            <a:extLst>
-              <a:ext uri="{FF2B5EF4-FFF2-40B4-BE49-F238E27FC236}">
-                <a16:creationId xmlns:a16="http://schemas.microsoft.com/office/drawing/2014/main" id="{DE5416B4-787F-45D9-B195-806F8B8E52E6}"/>
-              </a:ext>
-            </a:extLst>
-          </p:cNvPr>
-          <p:cNvSpPr/>
-          <p:nvPr/>
-        </p:nvSpPr>
-        <p:spPr>
-          <a:xfrm>
-            <a:off x="5029475" y="3256616"/>
-            <a:ext cx="185533" cy="176240"/>
-          </a:xfrm>
-          <a:prstGeom prst="flowChartConnector">
-            <a:avLst/>
-          </a:prstGeom>
-          <a:solidFill>
-            <a:srgbClr val="11BD5D"/>
-          </a:solidFill>
-          <a:ln>
-            <a:solidFill>
-              <a:schemeClr val="tx1"/>
-            </a:solidFill>
-          </a:ln>
-        </p:spPr>
-        <p:style>
-          <a:lnRef idx="2">
-            <a:schemeClr val="accent1">
-              <a:shade val="50000"/>
-            </a:schemeClr>
-          </a:lnRef>
-          <a:fillRef idx="1">
-            <a:schemeClr val="accent1"/>
-          </a:fillRef>
-          <a:effectRef idx="0">
-            <a:schemeClr val="accent1"/>
-          </a:effectRef>
-          <a:fontRef idx="minor">
-            <a:schemeClr val="lt1"/>
-          </a:fontRef>
-        </p:style>
-        <p:txBody>
-          <a:bodyPr rtlCol="0" anchor="ctr"/>
-          <a:lstStyle/>
-          <a:p>
-            <a:pPr algn="ctr"/>
-            <a:endParaRPr lang="pt-BR"/>
-          </a:p>
-        </p:txBody>
-      </p:sp>
-      <p:sp>
-        <p:nvSpPr>
-          <p:cNvPr id="43" name="Fluxograma: Conector 42">
-            <a:extLst>
-              <a:ext uri="{FF2B5EF4-FFF2-40B4-BE49-F238E27FC236}">
-                <a16:creationId xmlns:a16="http://schemas.microsoft.com/office/drawing/2014/main" id="{020CB1A5-8E2C-4C8E-9A8C-1EBDEB95CC43}"/>
-              </a:ext>
-            </a:extLst>
-          </p:cNvPr>
-          <p:cNvSpPr/>
-          <p:nvPr/>
-        </p:nvSpPr>
-        <p:spPr>
-          <a:xfrm>
-            <a:off x="6659216" y="3261292"/>
-            <a:ext cx="185533" cy="176240"/>
-          </a:xfrm>
-          <a:prstGeom prst="flowChartConnector">
-            <a:avLst/>
-          </a:prstGeom>
-          <a:solidFill>
-            <a:srgbClr val="11BD5D"/>
-          </a:solidFill>
-          <a:ln>
-            <a:solidFill>
-              <a:schemeClr val="tx1"/>
-            </a:solidFill>
-          </a:ln>
-        </p:spPr>
-        <p:style>
-          <a:lnRef idx="2">
-            <a:schemeClr val="accent1">
-              <a:shade val="50000"/>
-            </a:schemeClr>
-          </a:lnRef>
-          <a:fillRef idx="1">
-            <a:schemeClr val="accent1"/>
-          </a:fillRef>
-          <a:effectRef idx="0">
-            <a:schemeClr val="accent1"/>
-          </a:effectRef>
-          <a:fontRef idx="minor">
-            <a:schemeClr val="lt1"/>
-          </a:fontRef>
-        </p:style>
-        <p:txBody>
-          <a:bodyPr rtlCol="0" anchor="ctr"/>
-          <a:lstStyle/>
-          <a:p>
-            <a:pPr algn="ctr"/>
-            <a:endParaRPr lang="pt-BR"/>
-          </a:p>
-        </p:txBody>
-      </p:sp>
-      <p:sp>
-        <p:nvSpPr>
-          <p:cNvPr id="44" name="Fluxograma: Conector 43">
-            <a:extLst>
-              <a:ext uri="{FF2B5EF4-FFF2-40B4-BE49-F238E27FC236}">
-                <a16:creationId xmlns:a16="http://schemas.microsoft.com/office/drawing/2014/main" id="{8FC1181A-AACA-4C17-8EB4-3BEEFCF26C54}"/>
-              </a:ext>
-            </a:extLst>
-          </p:cNvPr>
-          <p:cNvSpPr/>
-          <p:nvPr/>
-        </p:nvSpPr>
-        <p:spPr>
-          <a:xfrm>
-            <a:off x="8196468" y="3583920"/>
-            <a:ext cx="185533" cy="176240"/>
-          </a:xfrm>
-          <a:prstGeom prst="flowChartConnector">
-            <a:avLst/>
-          </a:prstGeom>
-          <a:solidFill>
-            <a:srgbClr val="11BD5D"/>
-          </a:solidFill>
-          <a:ln>
-            <a:solidFill>
-              <a:schemeClr val="tx1"/>
-            </a:solidFill>
-          </a:ln>
-        </p:spPr>
-        <p:style>
-          <a:lnRef idx="2">
-            <a:schemeClr val="accent1">
-              <a:shade val="50000"/>
-            </a:schemeClr>
-          </a:lnRef>
-          <a:fillRef idx="1">
-            <a:schemeClr val="accent1"/>
-          </a:fillRef>
-          <a:effectRef idx="0">
-            <a:schemeClr val="accent1"/>
-          </a:effectRef>
-          <a:fontRef idx="minor">
-            <a:schemeClr val="lt1"/>
-          </a:fontRef>
-        </p:style>
-        <p:txBody>
-          <a:bodyPr rtlCol="0" anchor="ctr"/>
-          <a:lstStyle/>
-          <a:p>
-            <a:pPr algn="ctr"/>
-            <a:endParaRPr lang="pt-BR"/>
-          </a:p>
-        </p:txBody>
-      </p:sp>
-      <p:sp>
-        <p:nvSpPr>
-          <p:cNvPr id="45" name="Fluxograma: Conector 44">
-            <a:extLst>
-              <a:ext uri="{FF2B5EF4-FFF2-40B4-BE49-F238E27FC236}">
-                <a16:creationId xmlns:a16="http://schemas.microsoft.com/office/drawing/2014/main" id="{993201F8-219C-4A95-AA9D-805A87802467}"/>
-              </a:ext>
-            </a:extLst>
-          </p:cNvPr>
-          <p:cNvSpPr/>
-          <p:nvPr/>
-        </p:nvSpPr>
-        <p:spPr>
-          <a:xfrm>
-            <a:off x="9611134" y="4412110"/>
-            <a:ext cx="185533" cy="176240"/>
-          </a:xfrm>
-          <a:prstGeom prst="flowChartConnector">
-            <a:avLst/>
-          </a:prstGeom>
-          <a:solidFill>
-            <a:srgbClr val="11BD5D"/>
-          </a:solidFill>
-          <a:ln>
-            <a:solidFill>
-              <a:schemeClr val="tx1"/>
-            </a:solidFill>
-          </a:ln>
-        </p:spPr>
-        <p:style>
-          <a:lnRef idx="2">
-            <a:schemeClr val="accent1">
-              <a:shade val="50000"/>
-            </a:schemeClr>
-          </a:lnRef>
-          <a:fillRef idx="1">
-            <a:schemeClr val="accent1"/>
-          </a:fillRef>
-          <a:effectRef idx="0">
-            <a:schemeClr val="accent1"/>
-          </a:effectRef>
-          <a:fontRef idx="minor">
-            <a:schemeClr val="lt1"/>
-          </a:fontRef>
-        </p:style>
-        <p:txBody>
-          <a:bodyPr rtlCol="0" anchor="ctr"/>
-          <a:lstStyle/>
-          <a:p>
-            <a:pPr algn="ctr"/>
-            <a:endParaRPr lang="pt-BR"/>
-          </a:p>
-        </p:txBody>
-      </p:sp>
+            <a:ln>
+              <a:solidFill>
+                <a:schemeClr val="tx1"/>
+              </a:solidFill>
+            </a:ln>
+          </p:spPr>
+          <p:style>
+            <a:lnRef idx="2">
+              <a:schemeClr val="accent1">
+                <a:shade val="50000"/>
+              </a:schemeClr>
+            </a:lnRef>
+            <a:fillRef idx="1">
+              <a:schemeClr val="accent1"/>
+            </a:fillRef>
+            <a:effectRef idx="0">
+              <a:schemeClr val="accent1"/>
+            </a:effectRef>
+            <a:fontRef idx="minor">
+              <a:schemeClr val="lt1"/>
+            </a:fontRef>
+          </p:style>
+          <p:txBody>
+            <a:bodyPr rtlCol="0" anchor="ctr"/>
+            <a:lstStyle/>
+            <a:p>
+              <a:pPr algn="ctr"/>
+              <a:endParaRPr lang="pt-BR"/>
+            </a:p>
+          </p:txBody>
+        </p:sp>
+      </p:grpSp>
     </p:spTree>
     <p:extLst>
       <p:ext uri="{BB962C8B-B14F-4D97-AF65-F5344CB8AC3E}">
